--- a/Main_Quest_3/DLThon_CV_NaBongKyu.pptx
+++ b/Main_Quest_3/DLThon_CV_NaBongKyu.pptx
@@ -803,6 +803,22 @@
               <a:buNone/>
             </a:pPr>
             <a:r>
+              <a:rPr lang="ko"/>
+              <a:t>motorcycle night road 데이터셋을 이용해서 semantic segmentation task 수행</a:t>
+            </a:r>
+            <a:endParaRPr/>
+          </a:p>
+          <a:p>
+            <a:pPr indent="0" lvl="0" marL="0" rtl="0" algn="l">
+              <a:spcBef>
+                <a:spcPts val="0"/>
+              </a:spcBef>
+              <a:spcAft>
+                <a:spcPts val="0"/>
+              </a:spcAft>
+              <a:buNone/>
+            </a:pPr>
+            <a:r>
               <a:t/>
             </a:r>
             <a:endParaRPr/>
@@ -822,7 +838,7 @@
   <p:cSld>
     <p:spTree>
       <p:nvGrpSpPr>
-        <p:cNvPr id="203" name="Shape 203"/>
+        <p:cNvPr id="207" name="Shape 207"/>
         <p:cNvGrpSpPr/>
         <p:nvPr/>
       </p:nvGrpSpPr>
@@ -836,7 +852,7 @@
       </p:grpSpPr>
       <p:sp>
         <p:nvSpPr>
-          <p:cNvPr id="204" name="Google Shape;204;g27971b28e66_1_47:notes"/>
+          <p:cNvPr id="208" name="Google Shape;208;g27971b28e66_1_47:notes"/>
           <p:cNvSpPr/>
           <p:nvPr>
             <p:ph idx="2" type="sldImg"/>
@@ -871,7 +887,7 @@
       </p:sp>
       <p:sp>
         <p:nvSpPr>
-          <p:cNvPr id="205" name="Google Shape;205;g27971b28e66_1_47:notes"/>
+          <p:cNvPr id="209" name="Google Shape;209;g27971b28e66_1_47:notes"/>
           <p:cNvSpPr txBox="1"/>
           <p:nvPr>
             <p:ph idx="1" type="body"/>
@@ -902,7 +918,101 @@
               <a:buNone/>
             </a:pPr>
             <a:r>
+              <a:rPr lang="ko"/>
+              <a:t>전반적인 특이점은 train loss가 validation loss보다 높게 나타났다는 것</a:t>
+            </a:r>
+            <a:endParaRPr/>
+          </a:p>
+          <a:p>
+            <a:pPr indent="0" lvl="0" marL="0" rtl="0" algn="l">
+              <a:spcBef>
+                <a:spcPts val="0"/>
+              </a:spcBef>
+              <a:spcAft>
+                <a:spcPts val="0"/>
+              </a:spcAft>
+              <a:buNone/>
+            </a:pPr>
+            <a:r>
               <a:t/>
+            </a:r>
+            <a:endParaRPr/>
+          </a:p>
+          <a:p>
+            <a:pPr indent="0" lvl="0" marL="0" rtl="0" algn="l">
+              <a:spcBef>
+                <a:spcPts val="0"/>
+              </a:spcBef>
+              <a:spcAft>
+                <a:spcPts val="0"/>
+              </a:spcAft>
+              <a:buNone/>
+            </a:pPr>
+            <a:r>
+              <a:rPr lang="ko"/>
+              <a:t>data augmentation이라 함은 data의 distribution을 늘려주는 역할</a:t>
+            </a:r>
+            <a:endParaRPr/>
+          </a:p>
+          <a:p>
+            <a:pPr indent="0" lvl="0" marL="0" rtl="0" algn="l">
+              <a:spcBef>
+                <a:spcPts val="0"/>
+              </a:spcBef>
+              <a:spcAft>
+                <a:spcPts val="0"/>
+              </a:spcAft>
+              <a:buNone/>
+            </a:pPr>
+            <a:r>
+              <a:t/>
+            </a:r>
+            <a:endParaRPr/>
+          </a:p>
+          <a:p>
+            <a:pPr indent="0" lvl="0" marL="0" rtl="0" algn="l">
+              <a:spcBef>
+                <a:spcPts val="0"/>
+              </a:spcBef>
+              <a:spcAft>
+                <a:spcPts val="0"/>
+              </a:spcAft>
+              <a:buNone/>
+            </a:pPr>
+            <a:r>
+              <a:rPr lang="ko"/>
+              <a:t>전반적으로 train loss가 다소 높게 나타나지만 validation loss가 온전히 수렴하고 있음</a:t>
+            </a:r>
+            <a:endParaRPr/>
+          </a:p>
+          <a:p>
+            <a:pPr indent="0" lvl="0" marL="0" rtl="0" algn="l">
+              <a:spcBef>
+                <a:spcPts val="0"/>
+              </a:spcBef>
+              <a:spcAft>
+                <a:spcPts val="0"/>
+              </a:spcAft>
+              <a:buNone/>
+            </a:pPr>
+            <a:r>
+              <a:t/>
+            </a:r>
+            <a:endParaRPr/>
+          </a:p>
+          <a:p>
+            <a:pPr indent="0" lvl="0" marL="0" rtl="0" algn="l">
+              <a:spcBef>
+                <a:spcPts val="0"/>
+              </a:spcBef>
+              <a:spcAft>
+                <a:spcPts val="0"/>
+              </a:spcAft>
+              <a:buNone/>
+            </a:pPr>
+            <a:r>
+              <a:rPr lang="ko"/>
+              <a:t>unet++의 경우 encoding 전의 data를 최대한 활용하고자 하는 모델이어서 그런지 train loss가 잘 수렴함</a:t>
             </a:r>
             <a:endParaRPr/>
           </a:p>
@@ -921,7 +1031,7 @@
   <p:cSld>
     <p:spTree>
       <p:nvGrpSpPr>
-        <p:cNvPr id="212" name="Shape 212"/>
+        <p:cNvPr id="216" name="Shape 216"/>
         <p:cNvGrpSpPr/>
         <p:nvPr/>
       </p:nvGrpSpPr>
@@ -935,7 +1045,7 @@
       </p:grpSpPr>
       <p:sp>
         <p:nvSpPr>
-          <p:cNvPr id="213" name="Google Shape;213;g27971b28e66_1_90:notes"/>
+          <p:cNvPr id="217" name="Google Shape;217;g27971b28e66_1_90:notes"/>
           <p:cNvSpPr/>
           <p:nvPr>
             <p:ph idx="2" type="sldImg"/>
@@ -970,7 +1080,7 @@
       </p:sp>
       <p:sp>
         <p:nvSpPr>
-          <p:cNvPr id="214" name="Google Shape;214;g27971b28e66_1_90:notes"/>
+          <p:cNvPr id="218" name="Google Shape;218;g27971b28e66_1_90:notes"/>
           <p:cNvSpPr txBox="1"/>
           <p:nvPr>
             <p:ph idx="1" type="body"/>
@@ -1001,7 +1111,39 @@
               <a:buNone/>
             </a:pPr>
             <a:r>
+              <a:rPr lang="ko"/>
+              <a:t>augmentation 하지 않은 경우 train loss가 정상적으로 수렴</a:t>
+            </a:r>
+            <a:endParaRPr/>
+          </a:p>
+          <a:p>
+            <a:pPr indent="0" lvl="0" marL="0" rtl="0" algn="l">
+              <a:spcBef>
+                <a:spcPts val="0"/>
+              </a:spcBef>
+              <a:spcAft>
+                <a:spcPts val="0"/>
+              </a:spcAft>
+              <a:buNone/>
+            </a:pPr>
+            <a:r>
               <a:t/>
+            </a:r>
+            <a:endParaRPr/>
+          </a:p>
+          <a:p>
+            <a:pPr indent="0" lvl="0" marL="0" rtl="0" algn="l">
+              <a:spcBef>
+                <a:spcPts val="0"/>
+              </a:spcBef>
+              <a:spcAft>
+                <a:spcPts val="0"/>
+              </a:spcAft>
+              <a:buNone/>
+            </a:pPr>
+            <a:r>
+              <a:rPr lang="ko"/>
+              <a:t>그러나 20 epoch 근처에서부터 overfitting이 일어나기 시작</a:t>
             </a:r>
             <a:endParaRPr/>
           </a:p>
@@ -1020,7 +1162,7 @@
   <p:cSld>
     <p:spTree>
       <p:nvGrpSpPr>
-        <p:cNvPr id="221" name="Shape 221"/>
+        <p:cNvPr id="225" name="Shape 225"/>
         <p:cNvGrpSpPr/>
         <p:nvPr/>
       </p:nvGrpSpPr>
@@ -1034,7 +1176,7 @@
       </p:grpSpPr>
       <p:sp>
         <p:nvSpPr>
-          <p:cNvPr id="222" name="Google Shape;222;g27971b28e66_1_53:notes"/>
+          <p:cNvPr id="226" name="Google Shape;226;g27971b28e66_1_53:notes"/>
           <p:cNvSpPr/>
           <p:nvPr>
             <p:ph idx="2" type="sldImg"/>
@@ -1069,7 +1211,7 @@
       </p:sp>
       <p:sp>
         <p:nvSpPr>
-          <p:cNvPr id="223" name="Google Shape;223;g27971b28e66_1_53:notes"/>
+          <p:cNvPr id="227" name="Google Shape;227;g27971b28e66_1_53:notes"/>
           <p:cNvSpPr txBox="1"/>
           <p:nvPr>
             <p:ph idx="1" type="body"/>
@@ -1119,7 +1261,7 @@
   <p:cSld>
     <p:spTree>
       <p:nvGrpSpPr>
-        <p:cNvPr id="228" name="Shape 228"/>
+        <p:cNvPr id="232" name="Shape 232"/>
         <p:cNvGrpSpPr/>
         <p:nvPr/>
       </p:nvGrpSpPr>
@@ -1133,7 +1275,7 @@
       </p:grpSpPr>
       <p:sp>
         <p:nvSpPr>
-          <p:cNvPr id="229" name="Google Shape;229;g27971b28e66_0_136:notes"/>
+          <p:cNvPr id="233" name="Google Shape;233;g27971b28e66_0_136:notes"/>
           <p:cNvSpPr/>
           <p:nvPr>
             <p:ph idx="2" type="sldImg"/>
@@ -1168,7 +1310,7 @@
       </p:sp>
       <p:sp>
         <p:nvSpPr>
-          <p:cNvPr id="230" name="Google Shape;230;g27971b28e66_0_136:notes"/>
+          <p:cNvPr id="234" name="Google Shape;234;g27971b28e66_0_136:notes"/>
           <p:cNvSpPr txBox="1"/>
           <p:nvPr>
             <p:ph idx="1" type="body"/>
@@ -1218,7 +1360,7 @@
   <p:cSld>
     <p:spTree>
       <p:nvGrpSpPr>
-        <p:cNvPr id="239" name="Shape 239"/>
+        <p:cNvPr id="243" name="Shape 243"/>
         <p:cNvGrpSpPr/>
         <p:nvPr/>
       </p:nvGrpSpPr>
@@ -1232,7 +1374,7 @@
       </p:grpSpPr>
       <p:sp>
         <p:nvSpPr>
-          <p:cNvPr id="240" name="Google Shape;240;g27971b28e66_0_144:notes"/>
+          <p:cNvPr id="244" name="Google Shape;244;g27971b28e66_0_144:notes"/>
           <p:cNvSpPr/>
           <p:nvPr>
             <p:ph idx="2" type="sldImg"/>
@@ -1267,7 +1409,7 @@
       </p:sp>
       <p:sp>
         <p:nvSpPr>
-          <p:cNvPr id="241" name="Google Shape;241;g27971b28e66_0_144:notes"/>
+          <p:cNvPr id="245" name="Google Shape;245;g27971b28e66_0_144:notes"/>
           <p:cNvSpPr txBox="1"/>
           <p:nvPr>
             <p:ph idx="1" type="body"/>
@@ -1317,7 +1459,7 @@
   <p:cSld>
     <p:spTree>
       <p:nvGrpSpPr>
-        <p:cNvPr id="246" name="Shape 246"/>
+        <p:cNvPr id="251" name="Shape 251"/>
         <p:cNvGrpSpPr/>
         <p:nvPr/>
       </p:nvGrpSpPr>
@@ -1331,7 +1473,7 @@
       </p:grpSpPr>
       <p:sp>
         <p:nvSpPr>
-          <p:cNvPr id="247" name="Google Shape;247;g27971b28e66_0_149:notes"/>
+          <p:cNvPr id="252" name="Google Shape;252;g27971b28e66_0_149:notes"/>
           <p:cNvSpPr/>
           <p:nvPr>
             <p:ph idx="2" type="sldImg"/>
@@ -1366,7 +1508,7 @@
       </p:sp>
       <p:sp>
         <p:nvSpPr>
-          <p:cNvPr id="248" name="Google Shape;248;g27971b28e66_0_149:notes"/>
+          <p:cNvPr id="253" name="Google Shape;253;g27971b28e66_0_149:notes"/>
           <p:cNvSpPr txBox="1"/>
           <p:nvPr>
             <p:ph idx="1" type="body"/>
@@ -1417,7 +1559,7 @@
   <p:cSld>
     <p:spTree>
       <p:nvGrpSpPr>
-        <p:cNvPr id="254" name="Shape 254"/>
+        <p:cNvPr id="259" name="Shape 259"/>
         <p:cNvGrpSpPr/>
         <p:nvPr/>
       </p:nvGrpSpPr>
@@ -1431,7 +1573,7 @@
       </p:grpSpPr>
       <p:sp>
         <p:nvSpPr>
-          <p:cNvPr id="255" name="Google Shape;255;g27971b28e66_1_69:notes"/>
+          <p:cNvPr id="260" name="Google Shape;260;g27971b28e66_1_69:notes"/>
           <p:cNvSpPr/>
           <p:nvPr>
             <p:ph idx="2" type="sldImg"/>
@@ -1466,7 +1608,7 @@
       </p:sp>
       <p:sp>
         <p:nvSpPr>
-          <p:cNvPr id="256" name="Google Shape;256;g27971b28e66_1_69:notes"/>
+          <p:cNvPr id="261" name="Google Shape;261;g27971b28e66_1_69:notes"/>
           <p:cNvSpPr txBox="1"/>
           <p:nvPr>
             <p:ph idx="1" type="body"/>
@@ -1516,7 +1658,7 @@
   <p:cSld>
     <p:spTree>
       <p:nvGrpSpPr>
-        <p:cNvPr id="261" name="Shape 261"/>
+        <p:cNvPr id="266" name="Shape 266"/>
         <p:cNvGrpSpPr/>
         <p:nvPr/>
       </p:nvGrpSpPr>
@@ -1530,7 +1672,7 @@
       </p:grpSpPr>
       <p:sp>
         <p:nvSpPr>
-          <p:cNvPr id="262" name="Google Shape;262;g27971b28e66_1_12:notes"/>
+          <p:cNvPr id="267" name="Google Shape;267;g27971b28e66_1_12:notes"/>
           <p:cNvSpPr/>
           <p:nvPr>
             <p:ph idx="2" type="sldImg"/>
@@ -1565,7 +1707,7 @@
       </p:sp>
       <p:sp>
         <p:nvSpPr>
-          <p:cNvPr id="263" name="Google Shape;263;g27971b28e66_1_12:notes"/>
+          <p:cNvPr id="268" name="Google Shape;268;g27971b28e66_1_12:notes"/>
           <p:cNvSpPr txBox="1"/>
           <p:nvPr>
             <p:ph idx="1" type="body"/>
@@ -1615,7 +1757,7 @@
   <p:cSld>
     <p:spTree>
       <p:nvGrpSpPr>
-        <p:cNvPr id="137" name="Shape 137"/>
+        <p:cNvPr id="138" name="Shape 138"/>
         <p:cNvGrpSpPr/>
         <p:nvPr/>
       </p:nvGrpSpPr>
@@ -1629,7 +1771,7 @@
       </p:grpSpPr>
       <p:sp>
         <p:nvSpPr>
-          <p:cNvPr id="138" name="Google Shape;138;g27971b28e66_0_125:notes"/>
+          <p:cNvPr id="139" name="Google Shape;139;g27971b28e66_0_125:notes"/>
           <p:cNvSpPr/>
           <p:nvPr>
             <p:ph idx="2" type="sldImg"/>
@@ -1664,7 +1806,7 @@
       </p:sp>
       <p:sp>
         <p:nvSpPr>
-          <p:cNvPr id="139" name="Google Shape;139;g27971b28e66_0_125:notes"/>
+          <p:cNvPr id="140" name="Google Shape;140;g27971b28e66_0_125:notes"/>
           <p:cNvSpPr txBox="1"/>
           <p:nvPr>
             <p:ph idx="1" type="body"/>
@@ -1695,7 +1837,101 @@
               <a:buNone/>
             </a:pPr>
             <a:r>
+              <a:rPr lang="ko"/>
+              <a:t>데이터 전처리, data loader, augmentation 어떻게 진행했는지</a:t>
+            </a:r>
+            <a:endParaRPr/>
+          </a:p>
+          <a:p>
+            <a:pPr indent="0" lvl="0" marL="0" rtl="0" algn="l">
+              <a:spcBef>
+                <a:spcPts val="0"/>
+              </a:spcBef>
+              <a:spcAft>
+                <a:spcPts val="0"/>
+              </a:spcAft>
+              <a:buNone/>
+            </a:pPr>
+            <a:r>
               <a:t/>
+            </a:r>
+            <a:endParaRPr/>
+          </a:p>
+          <a:p>
+            <a:pPr indent="0" lvl="0" marL="0" rtl="0" algn="l">
+              <a:spcBef>
+                <a:spcPts val="0"/>
+              </a:spcBef>
+              <a:spcAft>
+                <a:spcPts val="0"/>
+              </a:spcAft>
+              <a:buNone/>
+            </a:pPr>
+            <a:r>
+              <a:rPr lang="ko"/>
+              <a:t>baseline 모델 선정, 실패한 pre-trained 모델 실험들, 비교 기준에 따른 loss graph</a:t>
+            </a:r>
+            <a:endParaRPr/>
+          </a:p>
+          <a:p>
+            <a:pPr indent="0" lvl="0" marL="0" rtl="0" algn="l">
+              <a:spcBef>
+                <a:spcPts val="0"/>
+              </a:spcBef>
+              <a:spcAft>
+                <a:spcPts val="0"/>
+              </a:spcAft>
+              <a:buNone/>
+            </a:pPr>
+            <a:r>
+              <a:t/>
+            </a:r>
+            <a:endParaRPr/>
+          </a:p>
+          <a:p>
+            <a:pPr indent="0" lvl="0" marL="0" rtl="0" algn="l">
+              <a:spcBef>
+                <a:spcPts val="0"/>
+              </a:spcBef>
+              <a:spcAft>
+                <a:spcPts val="0"/>
+              </a:spcAft>
+              <a:buNone/>
+            </a:pPr>
+            <a:r>
+              <a:rPr lang="ko"/>
+              <a:t>각 모델 별 semantic segmentation 수행 결과, IoU 계산 및 성능 비교</a:t>
+            </a:r>
+            <a:endParaRPr/>
+          </a:p>
+          <a:p>
+            <a:pPr indent="0" lvl="0" marL="0" rtl="0" algn="l">
+              <a:spcBef>
+                <a:spcPts val="0"/>
+              </a:spcBef>
+              <a:spcAft>
+                <a:spcPts val="0"/>
+              </a:spcAft>
+              <a:buNone/>
+            </a:pPr>
+            <a:r>
+              <a:t/>
+            </a:r>
+            <a:endParaRPr/>
+          </a:p>
+          <a:p>
+            <a:pPr indent="0" lvl="0" marL="0" rtl="0" algn="l">
+              <a:spcBef>
+                <a:spcPts val="0"/>
+              </a:spcBef>
+              <a:spcAft>
+                <a:spcPts val="0"/>
+              </a:spcAft>
+              <a:buNone/>
+            </a:pPr>
+            <a:r>
+              <a:rPr lang="ko"/>
+              <a:t>회고</a:t>
             </a:r>
             <a:endParaRPr/>
           </a:p>
@@ -1714,7 +1950,7 @@
   <p:cSld>
     <p:spTree>
       <p:nvGrpSpPr>
-        <p:cNvPr id="144" name="Shape 144"/>
+        <p:cNvPr id="145" name="Shape 145"/>
         <p:cNvGrpSpPr/>
         <p:nvPr/>
       </p:nvGrpSpPr>
@@ -1728,7 +1964,7 @@
       </p:grpSpPr>
       <p:sp>
         <p:nvSpPr>
-          <p:cNvPr id="145" name="Google Shape;145;g27971b28e66_2_0:notes"/>
+          <p:cNvPr id="146" name="Google Shape;146;g27971b28e66_2_0:notes"/>
           <p:cNvSpPr/>
           <p:nvPr>
             <p:ph idx="2" type="sldImg"/>
@@ -1763,7 +1999,7 @@
       </p:sp>
       <p:sp>
         <p:nvSpPr>
-          <p:cNvPr id="146" name="Google Shape;146;g27971b28e66_2_0:notes"/>
+          <p:cNvPr id="147" name="Google Shape;147;g27971b28e66_2_0:notes"/>
           <p:cNvSpPr txBox="1"/>
           <p:nvPr>
             <p:ph idx="1" type="body"/>
@@ -1794,113 +2030,7 @@
               <a:buNone/>
             </a:pPr>
             <a:r>
-              <a:rPr lang="ko"/>
-              <a:t>Motorcycle Night Ride 라</a:t>
-            </a:r>
-            <a:r>
-              <a:rPr lang="ko"/>
-              <a:t>는 데이터셋이며, </a:t>
-            </a:r>
-            <a:r>
-              <a:rPr lang="ko"/>
-              <a:t>실</a:t>
-            </a:r>
-            <a:r>
-              <a:rPr lang="ko"/>
-              <a:t>제 사진 200장 , 라벨 사진 200장 , 변환용 사진 200장 으로 구성</a:t>
-            </a:r>
-            <a:endParaRPr/>
-          </a:p>
-          <a:p>
-            <a:pPr indent="0" lvl="0" marL="0" rtl="0" algn="l">
-              <a:spcBef>
-                <a:spcPts val="0"/>
-              </a:spcBef>
-              <a:spcAft>
-                <a:spcPts val="0"/>
-              </a:spcAft>
-              <a:buNone/>
-            </a:pPr>
-            <a:r>
               <a:t/>
-            </a:r>
-            <a:endParaRPr/>
-          </a:p>
-          <a:p>
-            <a:pPr indent="0" lvl="0" marL="0" rtl="0" algn="l">
-              <a:spcBef>
-                <a:spcPts val="0"/>
-              </a:spcBef>
-              <a:spcAft>
-                <a:spcPts val="0"/>
-              </a:spcAft>
-              <a:buNone/>
-            </a:pPr>
-            <a:r>
-              <a:rPr lang="ko"/>
-              <a:t>파란색이미지는 seg를 위해 사용된 이미지다.</a:t>
-            </a:r>
-            <a:endParaRPr/>
-          </a:p>
-          <a:p>
-            <a:pPr indent="0" lvl="0" marL="0" rtl="0" algn="l">
-              <a:spcBef>
-                <a:spcPts val="0"/>
-              </a:spcBef>
-              <a:spcAft>
-                <a:spcPts val="0"/>
-              </a:spcAft>
-              <a:buNone/>
-            </a:pPr>
-            <a:r>
-              <a:t/>
-            </a:r>
-            <a:endParaRPr/>
-          </a:p>
-          <a:p>
-            <a:pPr indent="0" lvl="0" marL="0" rtl="0" algn="l">
-              <a:spcBef>
-                <a:spcPts val="0"/>
-              </a:spcBef>
-              <a:spcAft>
-                <a:spcPts val="0"/>
-              </a:spcAft>
-              <a:buNone/>
-            </a:pPr>
-            <a:r>
-              <a:rPr lang="ko"/>
-              <a:t>어노테이션은 coco 형식을 따른 json파일이 제공 되었으며,</a:t>
-            </a:r>
-            <a:endParaRPr/>
-          </a:p>
-          <a:p>
-            <a:pPr indent="0" lvl="0" marL="0" rtl="0" algn="l">
-              <a:spcBef>
-                <a:spcPts val="0"/>
-              </a:spcBef>
-              <a:spcAft>
-                <a:spcPts val="0"/>
-              </a:spcAft>
-              <a:buNone/>
-            </a:pPr>
-            <a:r>
-              <a:t/>
-            </a:r>
-            <a:endParaRPr/>
-          </a:p>
-          <a:p>
-            <a:pPr indent="0" lvl="0" marL="0" rtl="0" algn="l">
-              <a:spcBef>
-                <a:spcPts val="0"/>
-              </a:spcBef>
-              <a:spcAft>
-                <a:spcPts val="0"/>
-              </a:spcAft>
-              <a:buNone/>
-            </a:pPr>
-            <a:r>
-              <a:rPr lang="ko"/>
-              <a:t>class는 Rider, My bike, Moveable, Lane Mark, Road, Undrivable로 총 6가지로 구성</a:t>
             </a:r>
             <a:endParaRPr/>
           </a:p>
@@ -1919,7 +2049,7 @@
   <p:cSld>
     <p:spTree>
       <p:nvGrpSpPr>
-        <p:cNvPr id="153" name="Shape 153"/>
+        <p:cNvPr id="154" name="Shape 154"/>
         <p:cNvGrpSpPr/>
         <p:nvPr/>
       </p:nvGrpSpPr>
@@ -1933,7 +2063,7 @@
       </p:grpSpPr>
       <p:sp>
         <p:nvSpPr>
-          <p:cNvPr id="154" name="Google Shape;154;g27971b28e66_2_29:notes"/>
+          <p:cNvPr id="155" name="Google Shape;155;g27971b28e66_2_29:notes"/>
           <p:cNvSpPr/>
           <p:nvPr>
             <p:ph idx="2" type="sldImg"/>
@@ -1968,7 +2098,7 @@
       </p:sp>
       <p:sp>
         <p:nvSpPr>
-          <p:cNvPr id="155" name="Google Shape;155;g27971b28e66_2_29:notes"/>
+          <p:cNvPr id="156" name="Google Shape;156;g27971b28e66_2_29:notes"/>
           <p:cNvSpPr txBox="1"/>
           <p:nvPr>
             <p:ph idx="1" type="body"/>
@@ -1999,74 +2129,7 @@
               <a:buNone/>
             </a:pPr>
             <a:r>
-              <a:rPr lang="ko"/>
-              <a:t>전</a:t>
-            </a:r>
-            <a:r>
-              <a:rPr lang="ko"/>
-              <a:t>체 이미지를 train data 와 test data로 나누기 위해서</a:t>
-            </a:r>
-            <a:endParaRPr/>
-          </a:p>
-          <a:p>
-            <a:pPr indent="0" lvl="0" marL="0" rtl="0" algn="l">
-              <a:spcBef>
-                <a:spcPts val="0"/>
-              </a:spcBef>
-              <a:spcAft>
-                <a:spcPts val="0"/>
-              </a:spcAft>
-              <a:buNone/>
-            </a:pPr>
-            <a:r>
               <a:t/>
-            </a:r>
-            <a:endParaRPr/>
-          </a:p>
-          <a:p>
-            <a:pPr indent="0" lvl="0" marL="0" rtl="0" algn="l">
-              <a:spcBef>
-                <a:spcPts val="0"/>
-              </a:spcBef>
-              <a:spcAft>
-                <a:spcPts val="0"/>
-              </a:spcAft>
-              <a:buNone/>
-            </a:pPr>
-            <a:r>
-              <a:rPr lang="ko"/>
-              <a:t>전체 데이터 길이와 같은 길이가 200인 리스트를 만들었고,</a:t>
-            </a:r>
-            <a:endParaRPr/>
-          </a:p>
-          <a:p>
-            <a:pPr indent="0" lvl="0" marL="0" rtl="0" algn="l">
-              <a:spcBef>
-                <a:spcPts val="0"/>
-              </a:spcBef>
-              <a:spcAft>
-                <a:spcPts val="0"/>
-              </a:spcAft>
-              <a:buNone/>
-            </a:pPr>
-            <a:r>
-              <a:t/>
-            </a:r>
-            <a:endParaRPr/>
-          </a:p>
-          <a:p>
-            <a:pPr indent="0" lvl="0" marL="0" rtl="0" algn="l">
-              <a:spcBef>
-                <a:spcPts val="0"/>
-              </a:spcBef>
-              <a:spcAft>
-                <a:spcPts val="0"/>
-              </a:spcAft>
-              <a:buNone/>
-            </a:pPr>
-            <a:r>
-              <a:rPr lang="ko"/>
-              <a:t>그중 랜덤하게 20%에 해당하는 인덱스를 추출, 추출해서 학습용 인덱스, 나머지는 테스트용 으로인덱스를 분리 해주었음</a:t>
             </a:r>
             <a:endParaRPr/>
           </a:p>
@@ -2085,7 +2148,7 @@
   <p:cSld>
     <p:spTree>
       <p:nvGrpSpPr>
-        <p:cNvPr id="160" name="Shape 160"/>
+        <p:cNvPr id="161" name="Shape 161"/>
         <p:cNvGrpSpPr/>
         <p:nvPr/>
       </p:nvGrpSpPr>
@@ -2099,7 +2162,7 @@
       </p:grpSpPr>
       <p:sp>
         <p:nvSpPr>
-          <p:cNvPr id="161" name="Google Shape;161;g27971b28e66_2_24:notes"/>
+          <p:cNvPr id="162" name="Google Shape;162;g27971b28e66_2_24:notes"/>
           <p:cNvSpPr/>
           <p:nvPr>
             <p:ph idx="2" type="sldImg"/>
@@ -2134,7 +2197,7 @@
       </p:sp>
       <p:sp>
         <p:nvSpPr>
-          <p:cNvPr id="162" name="Google Shape;162;g27971b28e66_2_24:notes"/>
+          <p:cNvPr id="163" name="Google Shape;163;g27971b28e66_2_24:notes"/>
           <p:cNvSpPr txBox="1"/>
           <p:nvPr>
             <p:ph idx="1" type="body"/>
@@ -2162,133 +2225,10 @@
               <a:spcAft>
                 <a:spcPts val="0"/>
               </a:spcAft>
-              <a:buClr>
-                <a:schemeClr val="dk1"/>
-              </a:buClr>
-              <a:buSzPts val="1100"/>
-              <a:buFont typeface="Arial"/>
-              <a:buNone/>
-            </a:pPr>
-            <a:r>
-              <a:rPr lang="ko">
-                <a:solidFill>
-                  <a:schemeClr val="dk1"/>
-                </a:solidFill>
-              </a:rPr>
-              <a:t>epoch 동안 </a:t>
-            </a:r>
-            <a:r>
-              <a:rPr lang="ko">
-                <a:solidFill>
-                  <a:schemeClr val="dk1"/>
-                </a:solidFill>
-              </a:rPr>
-              <a:t>배치의 크기로 이미지를 반환해주며, 앞의 마스크 이미지를 생성해주는 데이터 로더 클래스를 만들었음</a:t>
-            </a:r>
-            <a:endParaRPr/>
-          </a:p>
-          <a:p>
-            <a:pPr indent="0" lvl="0" marL="0" rtl="0" algn="l">
-              <a:spcBef>
-                <a:spcPts val="0"/>
-              </a:spcBef>
-              <a:spcAft>
-                <a:spcPts val="0"/>
-              </a:spcAft>
               <a:buNone/>
             </a:pPr>
             <a:r>
               <a:t/>
-            </a:r>
-            <a:endParaRPr/>
-          </a:p>
-          <a:p>
-            <a:pPr indent="0" lvl="0" marL="0" rtl="0" algn="l">
-              <a:spcBef>
-                <a:spcPts val="0"/>
-              </a:spcBef>
-              <a:spcAft>
-                <a:spcPts val="0"/>
-              </a:spcAft>
-              <a:buNone/>
-            </a:pPr>
-            <a:r>
-              <a:rPr lang="ko"/>
-              <a:t>마스</a:t>
-            </a:r>
-            <a:r>
-              <a:rPr lang="ko"/>
-              <a:t>크 이미지 제작에는 </a:t>
-            </a:r>
-            <a:r>
-              <a:rPr lang="ko"/>
-              <a:t>coco 데이터셋</a:t>
-            </a:r>
-            <a:r>
-              <a:rPr lang="ko"/>
-              <a:t>을 편리하게 다룰 수 있는 라이브러리 pycocotools를 사용하였으며,</a:t>
-            </a:r>
-            <a:endParaRPr/>
-          </a:p>
-          <a:p>
-            <a:pPr indent="0" lvl="0" marL="0" rtl="0" algn="l">
-              <a:spcBef>
-                <a:spcPts val="0"/>
-              </a:spcBef>
-              <a:spcAft>
-                <a:spcPts val="0"/>
-              </a:spcAft>
-              <a:buNone/>
-            </a:pPr>
-            <a:r>
-              <a:t/>
-            </a:r>
-            <a:endParaRPr/>
-          </a:p>
-          <a:p>
-            <a:pPr indent="0" lvl="0" marL="0" rtl="0" algn="l">
-              <a:spcBef>
-                <a:spcPts val="0"/>
-              </a:spcBef>
-              <a:spcAft>
-                <a:spcPts val="0"/>
-              </a:spcAft>
-              <a:buNone/>
-            </a:pPr>
-            <a:r>
-              <a:rPr lang="ko"/>
-              <a:t>제공된 json 파일에서 이미지별 segmentation, category 정보를 추출하여 mask이미지를 만들었습니다.</a:t>
-            </a:r>
-            <a:endParaRPr/>
-          </a:p>
-          <a:p>
-            <a:pPr indent="0" lvl="0" marL="0" rtl="0" algn="l">
-              <a:spcBef>
-                <a:spcPts val="0"/>
-              </a:spcBef>
-              <a:spcAft>
-                <a:spcPts val="0"/>
-              </a:spcAft>
-              <a:buNone/>
-            </a:pPr>
-            <a:r>
-              <a:t/>
-            </a:r>
-            <a:endParaRPr/>
-          </a:p>
-          <a:p>
-            <a:pPr indent="0" lvl="0" marL="0" rtl="0" algn="l">
-              <a:spcBef>
-                <a:spcPts val="0"/>
-              </a:spcBef>
-              <a:spcAft>
-                <a:spcPts val="0"/>
-              </a:spcAft>
-              <a:buNone/>
-            </a:pPr>
-            <a:r>
-              <a:rPr lang="ko"/>
-              <a:t>마스크 이미지는 원본이미지와 동일한 크기이며, 6개의 채널로 이루어져 있으며 각 채널은 클래스별 마스크 이미지이다.</a:t>
             </a:r>
             <a:endParaRPr/>
           </a:p>
@@ -2307,7 +2247,7 @@
   <p:cSld>
     <p:spTree>
       <p:nvGrpSpPr>
-        <p:cNvPr id="169" name="Shape 169"/>
+        <p:cNvPr id="170" name="Shape 170"/>
         <p:cNvGrpSpPr/>
         <p:nvPr/>
       </p:nvGrpSpPr>
@@ -2321,7 +2261,7 @@
       </p:grpSpPr>
       <p:sp>
         <p:nvSpPr>
-          <p:cNvPr id="170" name="Google Shape;170;g27971b28e66_2_34:notes"/>
+          <p:cNvPr id="171" name="Google Shape;171;g27971b28e66_2_34:notes"/>
           <p:cNvSpPr/>
           <p:nvPr>
             <p:ph idx="2" type="sldImg"/>
@@ -2356,7 +2296,7 @@
       </p:sp>
       <p:sp>
         <p:nvSpPr>
-          <p:cNvPr id="171" name="Google Shape;171;g27971b28e66_2_34:notes"/>
+          <p:cNvPr id="172" name="Google Shape;172;g27971b28e66_2_34:notes"/>
           <p:cNvSpPr txBox="1"/>
           <p:nvPr>
             <p:ph idx="1" type="body"/>
@@ -2384,168 +2324,10 @@
               <a:spcAft>
                 <a:spcPts val="0"/>
               </a:spcAft>
-              <a:buClr>
-                <a:schemeClr val="dk1"/>
-              </a:buClr>
-              <a:buSzPts val="1100"/>
-              <a:buFont typeface="Arial"/>
               <a:buNone/>
             </a:pPr>
             <a:r>
               <a:t/>
-            </a:r>
-            <a:endParaRPr>
-              <a:solidFill>
-                <a:schemeClr val="dk1"/>
-              </a:solidFill>
-            </a:endParaRPr>
-          </a:p>
-          <a:p>
-            <a:pPr indent="0" lvl="0" marL="0" rtl="0" algn="l">
-              <a:spcBef>
-                <a:spcPts val="0"/>
-              </a:spcBef>
-              <a:spcAft>
-                <a:spcPts val="0"/>
-              </a:spcAft>
-              <a:buNone/>
-            </a:pPr>
-            <a:r>
-              <a:rPr lang="ko">
-                <a:solidFill>
-                  <a:schemeClr val="dk1"/>
-                </a:solidFill>
-              </a:rPr>
-              <a:t>앞에서 생성했던 train, test 인덱스 정보를 파라미터로 전달받고, augmentation을 할 수 있는 객체를 전달받는다.</a:t>
-            </a:r>
-            <a:endParaRPr>
-              <a:solidFill>
-                <a:schemeClr val="dk1"/>
-              </a:solidFill>
-            </a:endParaRPr>
-          </a:p>
-          <a:p>
-            <a:pPr indent="0" lvl="0" marL="0" rtl="0" algn="l">
-              <a:spcBef>
-                <a:spcPts val="0"/>
-              </a:spcBef>
-              <a:spcAft>
-                <a:spcPts val="0"/>
-              </a:spcAft>
-              <a:buNone/>
-            </a:pPr>
-            <a:r>
-              <a:t/>
-            </a:r>
-            <a:endParaRPr>
-              <a:solidFill>
-                <a:schemeClr val="dk1"/>
-              </a:solidFill>
-            </a:endParaRPr>
-          </a:p>
-          <a:p>
-            <a:pPr indent="0" lvl="0" marL="0" rtl="0" algn="l">
-              <a:spcBef>
-                <a:spcPts val="0"/>
-              </a:spcBef>
-              <a:spcAft>
-                <a:spcPts val="0"/>
-              </a:spcAft>
-              <a:buNone/>
-            </a:pPr>
-            <a:r>
-              <a:rPr lang="ko">
-                <a:solidFill>
-                  <a:schemeClr val="dk1"/>
-                </a:solidFill>
-              </a:rPr>
-              <a:t>전달받은 인덱스가 학습용 데이터일 경우 50%의 확률로 좌우대칭, RandomSzieCrop를 수행하고, 모델의 입력 크기인 224,224로 리사이즈를 진행</a:t>
-            </a:r>
-            <a:endParaRPr>
-              <a:solidFill>
-                <a:schemeClr val="dk1"/>
-              </a:solidFill>
-            </a:endParaRPr>
-          </a:p>
-          <a:p>
-            <a:pPr indent="0" lvl="0" marL="0" rtl="0" algn="l">
-              <a:spcBef>
-                <a:spcPts val="0"/>
-              </a:spcBef>
-              <a:spcAft>
-                <a:spcPts val="0"/>
-              </a:spcAft>
-              <a:buNone/>
-            </a:pPr>
-            <a:r>
-              <a:rPr lang="ko">
-                <a:solidFill>
-                  <a:schemeClr val="dk1"/>
-                </a:solidFill>
-              </a:rPr>
-              <a:t>테스트용 데이터일 경우 224,224로 리사이즈만 진행 하게된다.</a:t>
-            </a:r>
-            <a:endParaRPr>
-              <a:solidFill>
-                <a:schemeClr val="dk1"/>
-              </a:solidFill>
-            </a:endParaRPr>
-          </a:p>
-          <a:p>
-            <a:pPr indent="0" lvl="0" marL="0" rtl="0" algn="l">
-              <a:spcBef>
-                <a:spcPts val="0"/>
-              </a:spcBef>
-              <a:spcAft>
-                <a:spcPts val="0"/>
-              </a:spcAft>
-              <a:buNone/>
-            </a:pPr>
-            <a:r>
-              <a:t/>
-            </a:r>
-            <a:endParaRPr>
-              <a:solidFill>
-                <a:schemeClr val="dk1"/>
-              </a:solidFill>
-            </a:endParaRPr>
-          </a:p>
-          <a:p>
-            <a:pPr indent="0" lvl="0" marL="0" rtl="0" algn="l">
-              <a:spcBef>
-                <a:spcPts val="0"/>
-              </a:spcBef>
-              <a:spcAft>
-                <a:spcPts val="0"/>
-              </a:spcAft>
-              <a:buNone/>
-            </a:pPr>
-            <a:r>
-              <a:t/>
-            </a:r>
-            <a:endParaRPr>
-              <a:solidFill>
-                <a:schemeClr val="dk1"/>
-              </a:solidFill>
-            </a:endParaRPr>
-          </a:p>
-          <a:p>
-            <a:pPr indent="0" lvl="0" marL="0" rtl="0" algn="l">
-              <a:spcBef>
-                <a:spcPts val="0"/>
-              </a:spcBef>
-              <a:spcAft>
-                <a:spcPts val="0"/>
-              </a:spcAft>
-              <a:buNone/>
-            </a:pPr>
-            <a:r>
-              <a:rPr lang="ko">
-                <a:solidFill>
-                  <a:schemeClr val="dk1"/>
-                </a:solidFill>
-              </a:rPr>
-              <a:t>위의 이미지는 랜덤한 확률로 Crop된 이미지이며, 원본이미지, 마스크이미지 둘 다 crop가 적용 된 모습을 볼 수 있다.</a:t>
             </a:r>
             <a:endParaRPr/>
           </a:p>
@@ -2564,7 +2346,7 @@
   <p:cSld>
     <p:spTree>
       <p:nvGrpSpPr>
-        <p:cNvPr id="179" name="Shape 179"/>
+        <p:cNvPr id="180" name="Shape 180"/>
         <p:cNvGrpSpPr/>
         <p:nvPr/>
       </p:nvGrpSpPr>
@@ -2578,7 +2360,7 @@
       </p:grpSpPr>
       <p:sp>
         <p:nvSpPr>
-          <p:cNvPr id="180" name="Google Shape;180;g27971b28e66_0_131:notes"/>
+          <p:cNvPr id="181" name="Google Shape;181;g27971b28e66_0_131:notes"/>
           <p:cNvSpPr/>
           <p:nvPr>
             <p:ph idx="2" type="sldImg"/>
@@ -2613,7 +2395,7 @@
       </p:sp>
       <p:sp>
         <p:nvSpPr>
-          <p:cNvPr id="181" name="Google Shape;181;g27971b28e66_0_131:notes"/>
+          <p:cNvPr id="182" name="Google Shape;182;g27971b28e66_0_131:notes"/>
           <p:cNvSpPr txBox="1"/>
           <p:nvPr>
             <p:ph idx="1" type="body"/>
@@ -2644,9 +2426,211 @@
               <a:buNone/>
             </a:pPr>
             <a:r>
+              <a:rPr lang="ko"/>
+              <a:t>baseline 모델로 unet을 설정</a:t>
+            </a:r>
+            <a:endParaRPr/>
+          </a:p>
+          <a:p>
+            <a:pPr indent="0" lvl="0" marL="0" rtl="0" algn="l">
+              <a:spcBef>
+                <a:spcPts val="0"/>
+              </a:spcBef>
+              <a:spcAft>
+                <a:spcPts val="0"/>
+              </a:spcAft>
+              <a:buNone/>
+            </a:pPr>
+            <a:r>
               <a:t/>
             </a:r>
             <a:endParaRPr/>
+          </a:p>
+          <a:p>
+            <a:pPr indent="0" lvl="0" marL="0" rtl="0" algn="l">
+              <a:spcBef>
+                <a:spcPts val="0"/>
+              </a:spcBef>
+              <a:spcAft>
+                <a:spcPts val="0"/>
+              </a:spcAft>
+              <a:buNone/>
+            </a:pPr>
+            <a:r>
+              <a:rPr lang="ko"/>
+              <a:t>encoder decoder가 결합된 형태로 되어있어 segmentation task에서 가장 직관적이고 대중적인 모델</a:t>
+            </a:r>
+            <a:endParaRPr/>
+          </a:p>
+          <a:p>
+            <a:pPr indent="0" lvl="0" marL="0" rtl="0" algn="l">
+              <a:spcBef>
+                <a:spcPts val="0"/>
+              </a:spcBef>
+              <a:spcAft>
+                <a:spcPts val="0"/>
+              </a:spcAft>
+              <a:buNone/>
+            </a:pPr>
+            <a:r>
+              <a:t/>
+            </a:r>
+            <a:endParaRPr/>
+          </a:p>
+          <a:p>
+            <a:pPr indent="0" lvl="0" marL="0" rtl="0" algn="l">
+              <a:spcBef>
+                <a:spcPts val="0"/>
+              </a:spcBef>
+              <a:spcAft>
+                <a:spcPts val="0"/>
+              </a:spcAft>
+              <a:buNone/>
+            </a:pPr>
+            <a:r>
+              <a:rPr lang="ko"/>
+              <a:t>총 4개의 모델 생성</a:t>
+            </a:r>
+            <a:endParaRPr/>
+          </a:p>
+          <a:p>
+            <a:pPr indent="0" lvl="0" marL="0" rtl="0" algn="l">
+              <a:spcBef>
+                <a:spcPts val="0"/>
+              </a:spcBef>
+              <a:spcAft>
+                <a:spcPts val="0"/>
+              </a:spcAft>
+              <a:buNone/>
+            </a:pPr>
+            <a:r>
+              <a:t/>
+            </a:r>
+            <a:endParaRPr/>
+          </a:p>
+          <a:p>
+            <a:pPr indent="0" lvl="0" marL="0" rtl="0" algn="l">
+              <a:spcBef>
+                <a:spcPts val="0"/>
+              </a:spcBef>
+              <a:spcAft>
+                <a:spcPts val="0"/>
+              </a:spcAft>
+              <a:buNone/>
+            </a:pPr>
+            <a:r>
+              <a:rPr lang="ko"/>
+              <a:t>train dataset에 augmentation이 들어간 상태로 100 epoch 학습한 </a:t>
+            </a:r>
+            <a:r>
+              <a:rPr lang="ko">
+                <a:solidFill>
+                  <a:schemeClr val="dk1"/>
+                </a:solidFill>
+              </a:rPr>
+              <a:t>U-Net</a:t>
+            </a:r>
+            <a:r>
+              <a:rPr lang="ko"/>
+              <a:t>모델</a:t>
+            </a:r>
+            <a:endParaRPr/>
+          </a:p>
+          <a:p>
+            <a:pPr indent="0" lvl="0" marL="0" rtl="0" algn="l">
+              <a:spcBef>
+                <a:spcPts val="0"/>
+              </a:spcBef>
+              <a:spcAft>
+                <a:spcPts val="0"/>
+              </a:spcAft>
+              <a:buNone/>
+            </a:pPr>
+            <a:r>
+              <a:rPr lang="ko">
+                <a:solidFill>
+                  <a:schemeClr val="dk1"/>
+                </a:solidFill>
+              </a:rPr>
+              <a:t>train dataset에 augmentation이 들어간 상태로 150 epoch 학습한 U-Net모델</a:t>
+            </a:r>
+            <a:endParaRPr>
+              <a:solidFill>
+                <a:schemeClr val="dk1"/>
+              </a:solidFill>
+            </a:endParaRPr>
+          </a:p>
+          <a:p>
+            <a:pPr indent="0" lvl="0" marL="0" rtl="0" algn="l">
+              <a:spcBef>
+                <a:spcPts val="0"/>
+              </a:spcBef>
+              <a:spcAft>
+                <a:spcPts val="0"/>
+              </a:spcAft>
+              <a:buNone/>
+            </a:pPr>
+            <a:r>
+              <a:rPr lang="ko">
+                <a:solidFill>
+                  <a:schemeClr val="dk1"/>
+                </a:solidFill>
+              </a:rPr>
+              <a:t>train dataset에 augmentation이 들어간 상태로 150 epoch 학습한 U-Net++ 모델</a:t>
+            </a:r>
+            <a:endParaRPr>
+              <a:solidFill>
+                <a:schemeClr val="dk1"/>
+              </a:solidFill>
+            </a:endParaRPr>
+          </a:p>
+          <a:p>
+            <a:pPr indent="0" lvl="0" marL="0" rtl="0" algn="l">
+              <a:spcBef>
+                <a:spcPts val="0"/>
+              </a:spcBef>
+              <a:spcAft>
+                <a:spcPts val="0"/>
+              </a:spcAft>
+              <a:buNone/>
+            </a:pPr>
+            <a:r>
+              <a:rPr lang="ko">
+                <a:solidFill>
+                  <a:schemeClr val="dk1"/>
+                </a:solidFill>
+              </a:rPr>
+              <a:t>train dataset에 augmentation이 들어가지 않은 상태로 150 epoch 학습한 U-Net 모델</a:t>
+            </a:r>
+            <a:endParaRPr>
+              <a:solidFill>
+                <a:schemeClr val="dk1"/>
+              </a:solidFill>
+            </a:endParaRPr>
+          </a:p>
+          <a:p>
+            <a:pPr indent="0" lvl="0" marL="0" rtl="0" algn="l">
+              <a:spcBef>
+                <a:spcPts val="0"/>
+              </a:spcBef>
+              <a:spcAft>
+                <a:spcPts val="0"/>
+              </a:spcAft>
+              <a:buClr>
+                <a:schemeClr val="dk1"/>
+              </a:buClr>
+              <a:buSzPts val="1100"/>
+              <a:buFont typeface="Arial"/>
+              <a:buNone/>
+            </a:pPr>
+            <a:r>
+              <a:t/>
+            </a:r>
+            <a:endParaRPr>
+              <a:solidFill>
+                <a:schemeClr val="dk1"/>
+              </a:solidFill>
+            </a:endParaRPr>
           </a:p>
         </p:txBody>
       </p:sp>
@@ -2663,7 +2647,7 @@
   <p:cSld>
     <p:spTree>
       <p:nvGrpSpPr>
-        <p:cNvPr id="186" name="Shape 186"/>
+        <p:cNvPr id="187" name="Shape 187"/>
         <p:cNvGrpSpPr/>
         <p:nvPr/>
       </p:nvGrpSpPr>
@@ -2677,7 +2661,7 @@
       </p:grpSpPr>
       <p:sp>
         <p:nvSpPr>
-          <p:cNvPr id="187" name="Google Shape;187;g27971b28e66_1_82:notes"/>
+          <p:cNvPr id="188" name="Google Shape;188;g27971b28e66_1_82:notes"/>
           <p:cNvSpPr/>
           <p:nvPr>
             <p:ph idx="2" type="sldImg"/>
@@ -2712,7 +2696,7 @@
       </p:sp>
       <p:sp>
         <p:nvSpPr>
-          <p:cNvPr id="188" name="Google Shape;188;g27971b28e66_1_82:notes"/>
+          <p:cNvPr id="189" name="Google Shape;189;g27971b28e66_1_82:notes"/>
           <p:cNvSpPr txBox="1"/>
           <p:nvPr>
             <p:ph idx="1" type="body"/>
@@ -2743,7 +2727,39 @@
               <a:buNone/>
             </a:pPr>
             <a:r>
+              <a:rPr lang="ko"/>
+              <a:t>FCN, DeepLabV3+, MobileNetV2 등 다양한 pre-trained 모델을 불러와 실험하고자 했으나 실패</a:t>
+            </a:r>
+            <a:endParaRPr/>
+          </a:p>
+          <a:p>
+            <a:pPr indent="0" lvl="0" marL="0" rtl="0" algn="l">
+              <a:spcBef>
+                <a:spcPts val="0"/>
+              </a:spcBef>
+              <a:spcAft>
+                <a:spcPts val="0"/>
+              </a:spcAft>
+              <a:buNone/>
+            </a:pPr>
+            <a:r>
               <a:t/>
+            </a:r>
+            <a:endParaRPr/>
+          </a:p>
+          <a:p>
+            <a:pPr indent="0" lvl="0" marL="0" rtl="0" algn="l">
+              <a:spcBef>
+                <a:spcPts val="0"/>
+              </a:spcBef>
+              <a:spcAft>
+                <a:spcPts val="0"/>
+              </a:spcAft>
+              <a:buNone/>
+            </a:pPr>
+            <a:r>
+              <a:rPr lang="ko"/>
+              <a:t>이에 더해 다양한 dataset으로 pre-trained 된 모델 비교도 실패</a:t>
             </a:r>
             <a:endParaRPr/>
           </a:p>
@@ -2762,7 +2778,7 @@
   <p:cSld>
     <p:spTree>
       <p:nvGrpSpPr>
-        <p:cNvPr id="193" name="Shape 193"/>
+        <p:cNvPr id="195" name="Shape 195"/>
         <p:cNvGrpSpPr/>
         <p:nvPr/>
       </p:nvGrpSpPr>
@@ -2776,7 +2792,7 @@
       </p:grpSpPr>
       <p:sp>
         <p:nvSpPr>
-          <p:cNvPr id="194" name="Google Shape;194;g27971b28e66_1_41:notes"/>
+          <p:cNvPr id="196" name="Google Shape;196;g27971b28e66_1_41:notes"/>
           <p:cNvSpPr/>
           <p:nvPr>
             <p:ph idx="2" type="sldImg"/>
@@ -2811,7 +2827,7 @@
       </p:sp>
       <p:sp>
         <p:nvSpPr>
-          <p:cNvPr id="195" name="Google Shape;195;g27971b28e66_1_41:notes"/>
+          <p:cNvPr id="197" name="Google Shape;197;g27971b28e66_1_41:notes"/>
           <p:cNvSpPr txBox="1"/>
           <p:nvPr>
             <p:ph idx="1" type="body"/>
@@ -2842,7 +2858,239 @@
               <a:buNone/>
             </a:pPr>
             <a:r>
+              <a:rPr lang="ko"/>
+              <a:t>구현한 U-Net의 구조를 간략하게 나타내는 파트</a:t>
+            </a:r>
+            <a:endParaRPr/>
+          </a:p>
+          <a:p>
+            <a:pPr indent="0" lvl="0" marL="0" rtl="0" algn="l">
+              <a:spcBef>
+                <a:spcPts val="0"/>
+              </a:spcBef>
+              <a:spcAft>
+                <a:spcPts val="0"/>
+              </a:spcAft>
+              <a:buNone/>
+            </a:pPr>
+            <a:r>
               <a:t/>
+            </a:r>
+            <a:endParaRPr/>
+          </a:p>
+          <a:p>
+            <a:pPr indent="0" lvl="0" marL="0" rtl="0" algn="l">
+              <a:spcBef>
+                <a:spcPts val="0"/>
+              </a:spcBef>
+              <a:spcAft>
+                <a:spcPts val="0"/>
+              </a:spcAft>
+              <a:buNone/>
+            </a:pPr>
+            <a:r>
+              <a:rPr lang="ko"/>
+              <a:t>U-Net은 encoder decoder 형태로 투영하는 중간에 skip connection을 추가하여 vanishing gradient 문제를 완화하고자 한 모델</a:t>
+            </a:r>
+            <a:endParaRPr/>
+          </a:p>
+          <a:p>
+            <a:pPr indent="0" lvl="0" marL="0" rtl="0" algn="l">
+              <a:spcBef>
+                <a:spcPts val="0"/>
+              </a:spcBef>
+              <a:spcAft>
+                <a:spcPts val="0"/>
+              </a:spcAft>
+              <a:buNone/>
+            </a:pPr>
+            <a:r>
+              <a:t/>
+            </a:r>
+            <a:endParaRPr/>
+          </a:p>
+          <a:p>
+            <a:pPr indent="0" lvl="0" marL="0" rtl="0" algn="l">
+              <a:spcBef>
+                <a:spcPts val="0"/>
+              </a:spcBef>
+              <a:spcAft>
+                <a:spcPts val="0"/>
+              </a:spcAft>
+              <a:buNone/>
+            </a:pPr>
+            <a:r>
+              <a:rPr lang="ko"/>
+              <a:t>U-Net++은 계단 형태로 skip connection을 적용, 추가적인 성능 향상을 기대</a:t>
+            </a:r>
+            <a:endParaRPr/>
+          </a:p>
+          <a:p>
+            <a:pPr indent="0" lvl="0" marL="0" rtl="0" algn="l">
+              <a:spcBef>
+                <a:spcPts val="0"/>
+              </a:spcBef>
+              <a:spcAft>
+                <a:spcPts val="0"/>
+              </a:spcAft>
+              <a:buNone/>
+            </a:pPr>
+            <a:r>
+              <a:t/>
+            </a:r>
+            <a:endParaRPr/>
+          </a:p>
+          <a:p>
+            <a:pPr indent="0" lvl="0" marL="0" rtl="0" algn="l">
+              <a:spcBef>
+                <a:spcPts val="0"/>
+              </a:spcBef>
+              <a:spcAft>
+                <a:spcPts val="0"/>
+              </a:spcAft>
+              <a:buNone/>
+            </a:pPr>
+            <a:r>
+              <a:rPr lang="ko">
+                <a:solidFill>
+                  <a:schemeClr val="dk1"/>
+                </a:solidFill>
+              </a:rPr>
+              <a:t>5층 깊이의 U-Net과 U-Net++을 구현</a:t>
+            </a:r>
+            <a:endParaRPr/>
+          </a:p>
+          <a:p>
+            <a:pPr indent="0" lvl="0" marL="0" rtl="0" algn="l">
+              <a:spcBef>
+                <a:spcPts val="0"/>
+              </a:spcBef>
+              <a:spcAft>
+                <a:spcPts val="0"/>
+              </a:spcAft>
+              <a:buNone/>
+            </a:pPr>
+            <a:r>
+              <a:t/>
+            </a:r>
+            <a:endParaRPr/>
+          </a:p>
+          <a:p>
+            <a:pPr indent="0" lvl="0" marL="0" rtl="0" algn="l">
+              <a:spcBef>
+                <a:spcPts val="0"/>
+              </a:spcBef>
+              <a:spcAft>
+                <a:spcPts val="0"/>
+              </a:spcAft>
+              <a:buNone/>
+            </a:pPr>
+            <a:r>
+              <a:rPr lang="ko"/>
+              <a:t>64, 128, 256, 512, 1024로 hidden layer shape 설정</a:t>
+            </a:r>
+            <a:endParaRPr/>
+          </a:p>
+          <a:p>
+            <a:pPr indent="0" lvl="0" marL="0" rtl="0" algn="l">
+              <a:spcBef>
+                <a:spcPts val="0"/>
+              </a:spcBef>
+              <a:spcAft>
+                <a:spcPts val="0"/>
+              </a:spcAft>
+              <a:buNone/>
+            </a:pPr>
+            <a:r>
+              <a:t/>
+            </a:r>
+            <a:endParaRPr/>
+          </a:p>
+          <a:p>
+            <a:pPr indent="0" lvl="0" marL="0" rtl="0" algn="l">
+              <a:spcBef>
+                <a:spcPts val="0"/>
+              </a:spcBef>
+              <a:spcAft>
+                <a:spcPts val="0"/>
+              </a:spcAft>
+              <a:buNone/>
+            </a:pPr>
+            <a:r>
+              <a:rPr lang="ko"/>
+              <a:t>모델의 파라미터 수가 많아 한 epoch당 50초 ~ 70초</a:t>
+            </a:r>
+            <a:endParaRPr/>
+          </a:p>
+          <a:p>
+            <a:pPr indent="0" lvl="0" marL="0" rtl="0" algn="l">
+              <a:spcBef>
+                <a:spcPts val="0"/>
+              </a:spcBef>
+              <a:spcAft>
+                <a:spcPts val="0"/>
+              </a:spcAft>
+              <a:buNone/>
+            </a:pPr>
+            <a:r>
+              <a:t/>
+            </a:r>
+            <a:endParaRPr/>
+          </a:p>
+          <a:p>
+            <a:pPr indent="0" lvl="0" marL="0" rtl="0" algn="l">
+              <a:spcBef>
+                <a:spcPts val="0"/>
+              </a:spcBef>
+              <a:spcAft>
+                <a:spcPts val="0"/>
+              </a:spcAft>
+              <a:buClr>
+                <a:schemeClr val="dk1"/>
+              </a:buClr>
+              <a:buSzPts val="1100"/>
+              <a:buFont typeface="Arial"/>
+              <a:buNone/>
+            </a:pPr>
+            <a:r>
+              <a:rPr lang="ko"/>
+              <a:t>optimizer = ‘Adam’, loss_function = ‘binary_crossentropy’</a:t>
+            </a:r>
+            <a:endParaRPr/>
+          </a:p>
+          <a:p>
+            <a:pPr indent="0" lvl="0" marL="0" rtl="0" algn="l">
+              <a:spcBef>
+                <a:spcPts val="0"/>
+              </a:spcBef>
+              <a:spcAft>
+                <a:spcPts val="0"/>
+              </a:spcAft>
+              <a:buClr>
+                <a:schemeClr val="dk1"/>
+              </a:buClr>
+              <a:buSzPts val="1100"/>
+              <a:buFont typeface="Arial"/>
+              <a:buNone/>
+            </a:pPr>
+            <a:r>
+              <a:t/>
+            </a:r>
+            <a:endParaRPr/>
+          </a:p>
+          <a:p>
+            <a:pPr indent="0" lvl="0" marL="0" rtl="0" algn="l">
+              <a:spcBef>
+                <a:spcPts val="0"/>
+              </a:spcBef>
+              <a:spcAft>
+                <a:spcPts val="0"/>
+              </a:spcAft>
+              <a:buNone/>
+            </a:pPr>
+            <a:r>
+              <a:rPr lang="ko"/>
+              <a:t>batch_size = 5, learning_rate = 1e-4, Input_shape = (224, 224, 3)</a:t>
             </a:r>
             <a:endParaRPr/>
           </a:p>
@@ -11242,6 +11490,58 @@
           </a:ln>
         </p:spPr>
       </p:pic>
+      <p:sp>
+        <p:nvSpPr>
+          <p:cNvPr id="137" name="Google Shape;137;p13"/>
+          <p:cNvSpPr txBox="1"/>
+          <p:nvPr/>
+        </p:nvSpPr>
+        <p:spPr>
+          <a:xfrm>
+            <a:off x="6999700" y="79425"/>
+            <a:ext cx="2065200" cy="546000"/>
+          </a:xfrm>
+          <a:prstGeom prst="rect">
+            <a:avLst/>
+          </a:prstGeom>
+          <a:noFill/>
+          <a:ln>
+            <a:noFill/>
+          </a:ln>
+        </p:spPr>
+        <p:txBody>
+          <a:bodyPr anchorCtr="0" anchor="ctr" bIns="91425" lIns="91425" spcFirstLastPara="1" rIns="91425" wrap="square" tIns="91425">
+            <a:noAutofit/>
+          </a:bodyPr>
+          <a:lstStyle/>
+          <a:p>
+            <a:pPr indent="0" lvl="0" marL="0" rtl="0" algn="ctr">
+              <a:spcBef>
+                <a:spcPts val="0"/>
+              </a:spcBef>
+              <a:spcAft>
+                <a:spcPts val="0"/>
+              </a:spcAft>
+              <a:buNone/>
+            </a:pPr>
+            <a:r>
+              <a:rPr b="1" lang="ko" sz="2400">
+                <a:latin typeface="Montserrat"/>
+                <a:ea typeface="Montserrat"/>
+                <a:cs typeface="Montserrat"/>
+                <a:sym typeface="Montserrat"/>
+              </a:rPr>
+              <a:t>DLThon CV</a:t>
+            </a:r>
+            <a:endParaRPr b="1" sz="2400">
+              <a:latin typeface="Montserrat"/>
+              <a:ea typeface="Montserrat"/>
+              <a:cs typeface="Montserrat"/>
+              <a:sym typeface="Montserrat"/>
+            </a:endParaRPr>
+          </a:p>
+        </p:txBody>
+      </p:sp>
     </p:spTree>
   </p:cSld>
   <p:clrMapOvr>
@@ -11255,7 +11555,7 @@
   <p:cSld>
     <p:spTree>
       <p:nvGrpSpPr>
-        <p:cNvPr id="206" name="Shape 206"/>
+        <p:cNvPr id="210" name="Shape 210"/>
         <p:cNvGrpSpPr/>
         <p:nvPr/>
       </p:nvGrpSpPr>
@@ -11269,7 +11569,7 @@
       </p:grpSpPr>
       <p:sp>
         <p:nvSpPr>
-          <p:cNvPr id="207" name="Google Shape;207;p22"/>
+          <p:cNvPr id="211" name="Google Shape;211;p22"/>
           <p:cNvSpPr/>
           <p:nvPr/>
         </p:nvSpPr>
@@ -11323,7 +11623,7 @@
       </p:sp>
       <p:sp>
         <p:nvSpPr>
-          <p:cNvPr id="208" name="Google Shape;208;p22"/>
+          <p:cNvPr id="212" name="Google Shape;212;p22"/>
           <p:cNvSpPr txBox="1"/>
           <p:nvPr>
             <p:ph type="title"/>
@@ -11371,7 +11671,7 @@
       </p:sp>
       <p:pic>
         <p:nvPicPr>
-          <p:cNvPr id="209" name="Google Shape;209;p22"/>
+          <p:cNvPr id="213" name="Google Shape;213;p22"/>
           <p:cNvPicPr preferRelativeResize="0"/>
           <p:nvPr/>
         </p:nvPicPr>
@@ -11399,7 +11699,7 @@
       </p:pic>
       <p:pic>
         <p:nvPicPr>
-          <p:cNvPr id="210" name="Google Shape;210;p22"/>
+          <p:cNvPr id="214" name="Google Shape;214;p22"/>
           <p:cNvPicPr preferRelativeResize="0"/>
           <p:nvPr/>
         </p:nvPicPr>
@@ -11426,7 +11726,7 @@
       </p:pic>
       <p:pic>
         <p:nvPicPr>
-          <p:cNvPr id="211" name="Google Shape;211;p22"/>
+          <p:cNvPr id="215" name="Google Shape;215;p22"/>
           <p:cNvPicPr preferRelativeResize="0"/>
           <p:nvPr/>
         </p:nvPicPr>
@@ -11464,7 +11764,7 @@
   <p:cSld>
     <p:spTree>
       <p:nvGrpSpPr>
-        <p:cNvPr id="215" name="Shape 215"/>
+        <p:cNvPr id="219" name="Shape 219"/>
         <p:cNvGrpSpPr/>
         <p:nvPr/>
       </p:nvGrpSpPr>
@@ -11478,7 +11778,7 @@
       </p:grpSpPr>
       <p:sp>
         <p:nvSpPr>
-          <p:cNvPr id="216" name="Google Shape;216;p23"/>
+          <p:cNvPr id="220" name="Google Shape;220;p23"/>
           <p:cNvSpPr/>
           <p:nvPr/>
         </p:nvSpPr>
@@ -11532,7 +11832,7 @@
       </p:sp>
       <p:sp>
         <p:nvSpPr>
-          <p:cNvPr id="217" name="Google Shape;217;p23"/>
+          <p:cNvPr id="221" name="Google Shape;221;p23"/>
           <p:cNvSpPr txBox="1"/>
           <p:nvPr>
             <p:ph type="title"/>
@@ -11588,7 +11888,7 @@
       </p:sp>
       <p:pic>
         <p:nvPicPr>
-          <p:cNvPr id="218" name="Google Shape;218;p23"/>
+          <p:cNvPr id="222" name="Google Shape;222;p23"/>
           <p:cNvPicPr preferRelativeResize="0"/>
           <p:nvPr/>
         </p:nvPicPr>
@@ -11616,7 +11916,7 @@
       </p:pic>
       <p:pic>
         <p:nvPicPr>
-          <p:cNvPr id="219" name="Google Shape;219;p23"/>
+          <p:cNvPr id="223" name="Google Shape;223;p23"/>
           <p:cNvPicPr preferRelativeResize="0"/>
           <p:nvPr/>
         </p:nvPicPr>
@@ -11643,7 +11943,7 @@
       </p:pic>
       <p:pic>
         <p:nvPicPr>
-          <p:cNvPr id="220" name="Google Shape;220;p23"/>
+          <p:cNvPr id="224" name="Google Shape;224;p23"/>
           <p:cNvPicPr preferRelativeResize="0"/>
           <p:nvPr/>
         </p:nvPicPr>
@@ -11681,7 +11981,7 @@
   <p:cSld>
     <p:spTree>
       <p:nvGrpSpPr>
-        <p:cNvPr id="224" name="Shape 224"/>
+        <p:cNvPr id="228" name="Shape 228"/>
         <p:cNvGrpSpPr/>
         <p:nvPr/>
       </p:nvGrpSpPr>
@@ -11695,7 +11995,7 @@
       </p:grpSpPr>
       <p:sp>
         <p:nvSpPr>
-          <p:cNvPr id="225" name="Google Shape;225;p24"/>
+          <p:cNvPr id="229" name="Google Shape;229;p24"/>
           <p:cNvSpPr txBox="1"/>
           <p:nvPr>
             <p:ph type="title"/>
@@ -11743,7 +12043,7 @@
       </p:sp>
       <p:sp>
         <p:nvSpPr>
-          <p:cNvPr id="226" name="Google Shape;226;p24"/>
+          <p:cNvPr id="230" name="Google Shape;230;p24"/>
           <p:cNvSpPr txBox="1"/>
           <p:nvPr>
             <p:ph idx="1" type="body"/>
@@ -11863,7 +12163,7 @@
       </p:sp>
       <p:pic>
         <p:nvPicPr>
-          <p:cNvPr id="227" name="Google Shape;227;p24"/>
+          <p:cNvPr id="231" name="Google Shape;231;p24"/>
           <p:cNvPicPr preferRelativeResize="0"/>
           <p:nvPr/>
         </p:nvPicPr>
@@ -11902,7 +12202,7 @@
   <p:cSld>
     <p:spTree>
       <p:nvGrpSpPr>
-        <p:cNvPr id="231" name="Shape 231"/>
+        <p:cNvPr id="235" name="Shape 235"/>
         <p:cNvGrpSpPr/>
         <p:nvPr/>
       </p:nvGrpSpPr>
@@ -11916,7 +12216,7 @@
       </p:grpSpPr>
       <p:sp>
         <p:nvSpPr>
-          <p:cNvPr id="232" name="Google Shape;232;p25"/>
+          <p:cNvPr id="236" name="Google Shape;236;p25"/>
           <p:cNvSpPr txBox="1"/>
           <p:nvPr>
             <p:ph type="title"/>
@@ -11964,7 +12264,7 @@
       </p:sp>
       <p:grpSp>
         <p:nvGrpSpPr>
-          <p:cNvPr id="233" name="Google Shape;233;p25"/>
+          <p:cNvPr id="237" name="Google Shape;237;p25"/>
           <p:cNvGrpSpPr/>
           <p:nvPr/>
         </p:nvGrpSpPr>
@@ -11978,7 +12278,7 @@
         </p:grpSpPr>
         <p:pic>
           <p:nvPicPr>
-            <p:cNvPr id="234" name="Google Shape;234;p25"/>
+            <p:cNvPr id="238" name="Google Shape;238;p25"/>
             <p:cNvPicPr preferRelativeResize="0"/>
             <p:nvPr/>
           </p:nvPicPr>
@@ -12006,7 +12306,7 @@
         </p:pic>
         <p:pic>
           <p:nvPicPr>
-            <p:cNvPr id="235" name="Google Shape;235;p25"/>
+            <p:cNvPr id="239" name="Google Shape;239;p25"/>
             <p:cNvPicPr preferRelativeResize="0"/>
             <p:nvPr/>
           </p:nvPicPr>
@@ -12034,7 +12334,7 @@
         </p:pic>
         <p:pic>
           <p:nvPicPr>
-            <p:cNvPr id="236" name="Google Shape;236;p25"/>
+            <p:cNvPr id="240" name="Google Shape;240;p25"/>
             <p:cNvPicPr preferRelativeResize="0"/>
             <p:nvPr/>
           </p:nvPicPr>
@@ -12062,7 +12362,7 @@
         </p:pic>
         <p:pic>
           <p:nvPicPr>
-            <p:cNvPr id="237" name="Google Shape;237;p25"/>
+            <p:cNvPr id="241" name="Google Shape;241;p25"/>
             <p:cNvPicPr preferRelativeResize="0"/>
             <p:nvPr/>
           </p:nvPicPr>
@@ -12091,7 +12391,7 @@
       </p:grpSp>
       <p:pic>
         <p:nvPicPr>
-          <p:cNvPr id="238" name="Google Shape;238;p25"/>
+          <p:cNvPr id="242" name="Google Shape;242;p25"/>
           <p:cNvPicPr preferRelativeResize="0"/>
           <p:nvPr/>
         </p:nvPicPr>
@@ -12130,7 +12430,7 @@
   <p:cSld>
     <p:spTree>
       <p:nvGrpSpPr>
-        <p:cNvPr id="242" name="Shape 242"/>
+        <p:cNvPr id="246" name="Shape 246"/>
         <p:cNvGrpSpPr/>
         <p:nvPr/>
       </p:nvGrpSpPr>
@@ -12144,7 +12444,7 @@
       </p:grpSpPr>
       <p:sp>
         <p:nvSpPr>
-          <p:cNvPr id="243" name="Google Shape;243;p26"/>
+          <p:cNvPr id="247" name="Google Shape;247;p26"/>
           <p:cNvSpPr txBox="1"/>
           <p:nvPr>
             <p:ph type="title"/>
@@ -12190,113 +12490,9 @@
           </a:p>
         </p:txBody>
       </p:sp>
-      <p:sp>
-        <p:nvSpPr>
-          <p:cNvPr id="244" name="Google Shape;244;p26"/>
-          <p:cNvSpPr txBox="1"/>
-          <p:nvPr>
-            <p:ph idx="1" type="body"/>
-          </p:nvPr>
-        </p:nvSpPr>
-        <p:spPr>
-          <a:xfrm>
-            <a:off x="1297500" y="1567550"/>
-            <a:ext cx="7038900" cy="2911200"/>
-          </a:xfrm>
-          <a:prstGeom prst="rect">
-            <a:avLst/>
-          </a:prstGeom>
-        </p:spPr>
-        <p:txBody>
-          <a:bodyPr anchorCtr="0" anchor="t" bIns="91425" lIns="91425" spcFirstLastPara="1" rIns="91425" wrap="square" tIns="91425">
-            <a:normAutofit/>
-          </a:bodyPr>
-          <a:lstStyle/>
-          <a:p>
-            <a:pPr indent="0" lvl="0" marL="0" rtl="0" algn="l">
-              <a:spcBef>
-                <a:spcPts val="0"/>
-              </a:spcBef>
-              <a:spcAft>
-                <a:spcPts val="0"/>
-              </a:spcAft>
-              <a:buNone/>
-            </a:pPr>
-            <a:r>
-              <a:rPr lang="ko">
-                <a:solidFill>
-                  <a:schemeClr val="dk1"/>
-                </a:solidFill>
-              </a:rPr>
-              <a:t>IoU</a:t>
-            </a:r>
-            <a:r>
-              <a:rPr lang="ko">
-                <a:solidFill>
-                  <a:schemeClr val="dk1"/>
-                </a:solidFill>
-              </a:rPr>
-              <a:t>를 클래스별로 구해서 비교했다</a:t>
-            </a:r>
-            <a:endParaRPr>
-              <a:solidFill>
-                <a:schemeClr val="dk1"/>
-              </a:solidFill>
-            </a:endParaRPr>
-          </a:p>
-          <a:p>
-            <a:pPr indent="0" lvl="0" marL="0" rtl="0" algn="l">
-              <a:spcBef>
-                <a:spcPts val="1200"/>
-              </a:spcBef>
-              <a:spcAft>
-                <a:spcPts val="0"/>
-              </a:spcAft>
-              <a:buNone/>
-            </a:pPr>
-            <a:r>
-              <a:rPr lang="ko">
-                <a:solidFill>
-                  <a:schemeClr val="dk1"/>
-                </a:solidFill>
-              </a:rPr>
-              <a:t>내일 업로드 예정!!  </a:t>
-            </a:r>
-            <a:endParaRPr>
-              <a:solidFill>
-                <a:schemeClr val="dk1"/>
-              </a:solidFill>
-            </a:endParaRPr>
-          </a:p>
-          <a:p>
-            <a:pPr indent="0" lvl="0" marL="0" rtl="0" algn="l">
-              <a:spcBef>
-                <a:spcPts val="1200"/>
-              </a:spcBef>
-              <a:spcAft>
-                <a:spcPts val="1200"/>
-              </a:spcAft>
-              <a:buNone/>
-            </a:pPr>
-            <a:r>
-              <a:rPr lang="ko">
-                <a:solidFill>
-                  <a:schemeClr val="dk1"/>
-                </a:solidFill>
-              </a:rPr>
-              <a:t>수식 추가하기 (코드를 넣던지~)</a:t>
-            </a:r>
-            <a:endParaRPr>
-              <a:solidFill>
-                <a:schemeClr val="dk1"/>
-              </a:solidFill>
-            </a:endParaRPr>
-          </a:p>
-        </p:txBody>
-      </p:sp>
       <p:pic>
         <p:nvPicPr>
-          <p:cNvPr id="245" name="Google Shape;245;p26"/>
+          <p:cNvPr id="248" name="Google Shape;248;p26"/>
           <p:cNvPicPr preferRelativeResize="0"/>
           <p:nvPr/>
         </p:nvPicPr>
@@ -12322,6 +12518,62 @@
           </a:ln>
         </p:spPr>
       </p:pic>
+      <p:pic>
+        <p:nvPicPr>
+          <p:cNvPr id="249" name="Google Shape;249;p26"/>
+          <p:cNvPicPr preferRelativeResize="0"/>
+          <p:nvPr/>
+        </p:nvPicPr>
+        <p:blipFill>
+          <a:blip r:embed="rId4">
+            <a:alphaModFix/>
+          </a:blip>
+          <a:stretch>
+            <a:fillRect/>
+          </a:stretch>
+        </p:blipFill>
+        <p:spPr>
+          <a:xfrm>
+            <a:off x="3089185" y="2277175"/>
+            <a:ext cx="2965625" cy="2313200"/>
+          </a:xfrm>
+          <a:prstGeom prst="rect">
+            <a:avLst/>
+          </a:prstGeom>
+          <a:noFill/>
+          <a:ln>
+            <a:noFill/>
+          </a:ln>
+        </p:spPr>
+      </p:pic>
+      <p:pic>
+        <p:nvPicPr>
+          <p:cNvPr id="250" name="Google Shape;250;p26"/>
+          <p:cNvPicPr preferRelativeResize="0"/>
+          <p:nvPr/>
+        </p:nvPicPr>
+        <p:blipFill>
+          <a:blip r:embed="rId5">
+            <a:alphaModFix/>
+          </a:blip>
+          <a:stretch>
+            <a:fillRect/>
+          </a:stretch>
+        </p:blipFill>
+        <p:spPr>
+          <a:xfrm>
+            <a:off x="1971550" y="1307850"/>
+            <a:ext cx="5200875" cy="827575"/>
+          </a:xfrm>
+          <a:prstGeom prst="rect">
+            <a:avLst/>
+          </a:prstGeom>
+          <a:noFill/>
+          <a:ln>
+            <a:noFill/>
+          </a:ln>
+        </p:spPr>
+      </p:pic>
     </p:spTree>
   </p:cSld>
   <p:clrMapOvr>
@@ -12335,7 +12587,7 @@
   <p:cSld>
     <p:spTree>
       <p:nvGrpSpPr>
-        <p:cNvPr id="249" name="Shape 249"/>
+        <p:cNvPr id="254" name="Shape 254"/>
         <p:cNvGrpSpPr/>
         <p:nvPr/>
       </p:nvGrpSpPr>
@@ -12349,7 +12601,7 @@
       </p:grpSpPr>
       <p:sp>
         <p:nvSpPr>
-          <p:cNvPr id="250" name="Google Shape;250;p27"/>
+          <p:cNvPr id="255" name="Google Shape;255;p27"/>
           <p:cNvSpPr txBox="1"/>
           <p:nvPr>
             <p:ph type="title"/>
@@ -12397,7 +12649,7 @@
       </p:sp>
       <p:pic>
         <p:nvPicPr>
-          <p:cNvPr id="251" name="Google Shape;251;p27"/>
+          <p:cNvPr id="256" name="Google Shape;256;p27"/>
           <p:cNvPicPr preferRelativeResize="0"/>
           <p:nvPr/>
         </p:nvPicPr>
@@ -12425,7 +12677,7 @@
       </p:pic>
       <p:pic>
         <p:nvPicPr>
-          <p:cNvPr id="252" name="Google Shape;252;p27"/>
+          <p:cNvPr id="257" name="Google Shape;257;p27"/>
           <p:cNvPicPr preferRelativeResize="0"/>
           <p:nvPr/>
         </p:nvPicPr>
@@ -12453,7 +12705,7 @@
       </p:pic>
       <p:pic>
         <p:nvPicPr>
-          <p:cNvPr id="253" name="Google Shape;253;p27"/>
+          <p:cNvPr id="258" name="Google Shape;258;p27"/>
           <p:cNvPicPr preferRelativeResize="0"/>
           <p:nvPr/>
         </p:nvPicPr>
@@ -12467,8 +12719,8 @@
         </p:blipFill>
         <p:spPr>
           <a:xfrm>
-            <a:off x="1368950" y="2683350"/>
-            <a:ext cx="6406126" cy="1612921"/>
+            <a:off x="956481" y="2546313"/>
+            <a:ext cx="7231057" cy="1820625"/>
           </a:xfrm>
           <a:prstGeom prst="rect">
             <a:avLst/>
@@ -12492,7 +12744,7 @@
   <p:cSld>
     <p:spTree>
       <p:nvGrpSpPr>
-        <p:cNvPr id="257" name="Shape 257"/>
+        <p:cNvPr id="262" name="Shape 262"/>
         <p:cNvGrpSpPr/>
         <p:nvPr/>
       </p:nvGrpSpPr>
@@ -12506,7 +12758,7 @@
       </p:grpSpPr>
       <p:sp>
         <p:nvSpPr>
-          <p:cNvPr id="258" name="Google Shape;258;p28"/>
+          <p:cNvPr id="263" name="Google Shape;263;p28"/>
           <p:cNvSpPr txBox="1"/>
           <p:nvPr>
             <p:ph type="title"/>
@@ -12554,7 +12806,7 @@
       </p:sp>
       <p:sp>
         <p:nvSpPr>
-          <p:cNvPr id="259" name="Google Shape;259;p28"/>
+          <p:cNvPr id="264" name="Google Shape;264;p28"/>
           <p:cNvSpPr txBox="1"/>
           <p:nvPr>
             <p:ph idx="1" type="body"/>
@@ -12562,8 +12814,8 @@
         </p:nvSpPr>
         <p:spPr>
           <a:xfrm>
-            <a:off x="1297500" y="1567550"/>
-            <a:ext cx="7038900" cy="2911200"/>
+            <a:off x="1297500" y="1417125"/>
+            <a:ext cx="6725700" cy="3061200"/>
           </a:xfrm>
           <a:prstGeom prst="rect">
             <a:avLst/>
@@ -12576,6 +12828,9 @@
           <a:lstStyle/>
           <a:p>
             <a:pPr indent="0" lvl="0" marL="0" rtl="0" algn="l">
+              <a:lnSpc>
+                <a:spcPct val="105000"/>
+              </a:lnSpc>
               <a:spcBef>
                 <a:spcPts val="0"/>
               </a:spcBef>
@@ -12585,14 +12840,22 @@
               <a:buNone/>
             </a:pPr>
             <a:r>
-              <a:rPr lang="ko" sz="1800">
+              <a:rPr b="1" lang="ko" sz="1600">
                 <a:solidFill>
                   <a:schemeClr val="dk1"/>
                 </a:solidFill>
               </a:rPr>
-              <a:t>Kyu: </a:t>
+              <a:t>Kyu -</a:t>
             </a:r>
-            <a:endParaRPr sz="1800">
+            <a:r>
+              <a:rPr lang="ko" sz="1600">
+                <a:solidFill>
+                  <a:schemeClr val="dk1"/>
+                </a:solidFill>
+              </a:rPr>
+              <a:t> 모델들이 생각보다 학습을 잘 하는 것이 신기했다. 다만 pre-trained 모델을 불러와서 실험해보지 못한 것에 대한 아쉬움이 남는다. 기회가 된다면 DeepLabV3+와 같은 segmentation 모델들을 불러와서 성능을 비교해보고 싶다.</a:t>
+            </a:r>
+            <a:endParaRPr sz="1600">
               <a:solidFill>
                 <a:schemeClr val="dk1"/>
               </a:solidFill>
@@ -12600,6 +12863,9 @@
           </a:p>
           <a:p>
             <a:pPr indent="0" lvl="0" marL="0" rtl="0" algn="l">
+              <a:lnSpc>
+                <a:spcPct val="105000"/>
+              </a:lnSpc>
               <a:spcBef>
                 <a:spcPts val="1200"/>
               </a:spcBef>
@@ -12609,9 +12875,22 @@
               <a:buNone/>
             </a:pPr>
             <a:r>
-              <a:t/>
+              <a:rPr b="1" lang="ko" sz="1600">
+                <a:solidFill>
+                  <a:schemeClr val="dk1"/>
+                </a:solidFill>
+              </a:rPr>
+              <a:t>Bong -</a:t>
             </a:r>
-            <a:endParaRPr sz="1800">
+            <a:r>
+              <a:rPr lang="ko" sz="1600">
+                <a:solidFill>
+                  <a:schemeClr val="dk1"/>
+                </a:solidFill>
+              </a:rPr>
+              <a:t> 데이터의 전처리부터 모델의 학습까지 배웠던 내용을 토대로 팀원들과 프로젝트를 수행해 보는 뜻깊은 시간이었다. 예상했던 것 보다 모델의 성능이 좋아서 신기했고, U-Net 계열의 모델이 아닌 다른 모델로 학습 해서 결과 비교를 못한점이 아쉬웠다. </a:t>
+            </a:r>
+            <a:endParaRPr sz="1600">
               <a:solidFill>
                 <a:schemeClr val="dk1"/>
               </a:solidFill>
@@ -12619,66 +12898,34 @@
           </a:p>
           <a:p>
             <a:pPr indent="0" lvl="0" marL="0" rtl="0" algn="l">
+              <a:lnSpc>
+                <a:spcPct val="105000"/>
+              </a:lnSpc>
               <a:spcBef>
                 <a:spcPts val="1200"/>
               </a:spcBef>
               <a:spcAft>
-                <a:spcPts val="0"/>
+                <a:spcPts val="1200"/>
               </a:spcAft>
               <a:buNone/>
             </a:pPr>
             <a:r>
-              <a:rPr lang="ko" sz="1800">
+              <a:rPr b="1" lang="ko" sz="1600">
                 <a:solidFill>
                   <a:schemeClr val="dk1"/>
                 </a:solidFill>
               </a:rPr>
-              <a:t>Bong:</a:t>
+              <a:t>Na -</a:t>
             </a:r>
-            <a:endParaRPr sz="1800">
-              <a:solidFill>
-                <a:schemeClr val="dk1"/>
-              </a:solidFill>
-            </a:endParaRPr>
-          </a:p>
-          <a:p>
-            <a:pPr indent="0" lvl="0" marL="0" rtl="0" algn="l">
-              <a:spcBef>
-                <a:spcPts val="1200"/>
-              </a:spcBef>
-              <a:spcAft>
-                <a:spcPts val="0"/>
-              </a:spcAft>
-              <a:buNone/>
-            </a:pPr>
             <a:r>
-              <a:t/>
-            </a:r>
-            <a:endParaRPr sz="1800">
-              <a:solidFill>
-                <a:schemeClr val="dk1"/>
-              </a:solidFill>
-            </a:endParaRPr>
-          </a:p>
-          <a:p>
-            <a:pPr indent="0" lvl="0" marL="0" rtl="0" algn="l">
-              <a:spcBef>
-                <a:spcPts val="1200"/>
-              </a:spcBef>
-              <a:spcAft>
-                <a:spcPts val="1200"/>
-              </a:spcAft>
-              <a:buNone/>
-            </a:pPr>
-            <a:r>
-              <a:rPr lang="ko" sz="1800">
+              <a:rPr lang="ko" sz="1600">
                 <a:solidFill>
                   <a:schemeClr val="dk1"/>
                 </a:solidFill>
               </a:rPr>
-              <a:t>Na:</a:t>
+              <a:t> 전반적으로 모델을 입혔을 때 아닌 것도 있었지만 성능이 꽤 좋은 모델이 확연하게 드러나서 신기했다. 다른 augmentation 방식을 시도해서 선택해봤으면 어땠을까 한다. </a:t>
             </a:r>
-            <a:endParaRPr sz="1800">
+            <a:endParaRPr sz="1600">
               <a:solidFill>
                 <a:schemeClr val="dk1"/>
               </a:solidFill>
@@ -12688,7 +12935,7 @@
       </p:sp>
       <p:pic>
         <p:nvPicPr>
-          <p:cNvPr id="260" name="Google Shape;260;p28"/>
+          <p:cNvPr id="265" name="Google Shape;265;p28"/>
           <p:cNvPicPr preferRelativeResize="0"/>
           <p:nvPr/>
         </p:nvPicPr>
@@ -12727,7 +12974,7 @@
   <p:cSld>
     <p:spTree>
       <p:nvGrpSpPr>
-        <p:cNvPr id="264" name="Shape 264"/>
+        <p:cNvPr id="269" name="Shape 269"/>
         <p:cNvGrpSpPr/>
         <p:nvPr/>
       </p:nvGrpSpPr>
@@ -12741,7 +12988,7 @@
       </p:grpSpPr>
       <p:sp>
         <p:nvSpPr>
-          <p:cNvPr id="265" name="Google Shape;265;p29"/>
+          <p:cNvPr id="270" name="Google Shape;270;p29"/>
           <p:cNvSpPr txBox="1"/>
           <p:nvPr>
             <p:ph type="title"/>
@@ -12789,7 +13036,7 @@
       </p:sp>
       <p:pic>
         <p:nvPicPr>
-          <p:cNvPr id="266" name="Google Shape;266;p29"/>
+          <p:cNvPr id="271" name="Google Shape;271;p29"/>
           <p:cNvPicPr preferRelativeResize="0"/>
           <p:nvPr/>
         </p:nvPicPr>
@@ -12828,7 +13075,7 @@
   <p:cSld>
     <p:spTree>
       <p:nvGrpSpPr>
-        <p:cNvPr id="140" name="Shape 140"/>
+        <p:cNvPr id="141" name="Shape 141"/>
         <p:cNvGrpSpPr/>
         <p:nvPr/>
       </p:nvGrpSpPr>
@@ -12842,7 +13089,7 @@
       </p:grpSpPr>
       <p:sp>
         <p:nvSpPr>
-          <p:cNvPr id="141" name="Google Shape;141;p14"/>
+          <p:cNvPr id="142" name="Google Shape;142;p14"/>
           <p:cNvSpPr txBox="1"/>
           <p:nvPr>
             <p:ph type="title"/>
@@ -12890,7 +13137,7 @@
       </p:sp>
       <p:sp>
         <p:nvSpPr>
-          <p:cNvPr id="142" name="Google Shape;142;p14"/>
+          <p:cNvPr id="143" name="Google Shape;143;p14"/>
           <p:cNvSpPr txBox="1"/>
           <p:nvPr/>
         </p:nvSpPr>
@@ -12967,7 +13214,7 @@
                 <a:cs typeface="Montserrat"/>
                 <a:sym typeface="Montserrat"/>
               </a:rPr>
-              <a:t>Data Preprocess</a:t>
+              <a:t>Data Preprocessing</a:t>
             </a:r>
             <a:endParaRPr sz="1200">
               <a:latin typeface="Montserrat"/>
@@ -13060,7 +13307,7 @@
                 <a:cs typeface="Montserrat"/>
                 <a:sym typeface="Montserrat"/>
               </a:rPr>
-              <a:t>Build Models</a:t>
+              <a:t>Building Models</a:t>
             </a:r>
             <a:endParaRPr sz="1200">
               <a:latin typeface="Montserrat"/>
@@ -13228,7 +13475,7 @@
       </p:sp>
       <p:pic>
         <p:nvPicPr>
-          <p:cNvPr id="143" name="Google Shape;143;p14"/>
+          <p:cNvPr id="144" name="Google Shape;144;p14"/>
           <p:cNvPicPr preferRelativeResize="0"/>
           <p:nvPr/>
         </p:nvPicPr>
@@ -13267,7 +13514,7 @@
   <p:cSld>
     <p:spTree>
       <p:nvGrpSpPr>
-        <p:cNvPr id="147" name="Shape 147"/>
+        <p:cNvPr id="148" name="Shape 148"/>
         <p:cNvGrpSpPr/>
         <p:nvPr/>
       </p:nvGrpSpPr>
@@ -13281,7 +13528,7 @@
       </p:grpSpPr>
       <p:sp>
         <p:nvSpPr>
-          <p:cNvPr id="148" name="Google Shape;148;p15"/>
+          <p:cNvPr id="149" name="Google Shape;149;p15"/>
           <p:cNvSpPr txBox="1"/>
           <p:nvPr>
             <p:ph type="title"/>
@@ -13329,7 +13576,7 @@
       </p:sp>
       <p:pic>
         <p:nvPicPr>
-          <p:cNvPr id="149" name="Google Shape;149;p15"/>
+          <p:cNvPr id="150" name="Google Shape;150;p15"/>
           <p:cNvPicPr preferRelativeResize="0"/>
           <p:nvPr/>
         </p:nvPicPr>
@@ -13357,7 +13604,7 @@
       </p:pic>
       <p:pic>
         <p:nvPicPr>
-          <p:cNvPr id="150" name="Google Shape;150;p15"/>
+          <p:cNvPr id="151" name="Google Shape;151;p15"/>
           <p:cNvPicPr preferRelativeResize="0"/>
           <p:nvPr/>
         </p:nvPicPr>
@@ -13385,7 +13632,7 @@
       </p:pic>
       <p:pic>
         <p:nvPicPr>
-          <p:cNvPr id="151" name="Google Shape;151;p15"/>
+          <p:cNvPr id="152" name="Google Shape;152;p15"/>
           <p:cNvPicPr preferRelativeResize="0"/>
           <p:nvPr/>
         </p:nvPicPr>
@@ -13413,7 +13660,7 @@
       </p:pic>
       <p:pic>
         <p:nvPicPr>
-          <p:cNvPr id="152" name="Google Shape;152;p15"/>
+          <p:cNvPr id="153" name="Google Shape;153;p15"/>
           <p:cNvPicPr preferRelativeResize="0"/>
           <p:nvPr/>
         </p:nvPicPr>
@@ -13452,7 +13699,7 @@
   <p:cSld>
     <p:spTree>
       <p:nvGrpSpPr>
-        <p:cNvPr id="156" name="Shape 156"/>
+        <p:cNvPr id="157" name="Shape 157"/>
         <p:cNvGrpSpPr/>
         <p:nvPr/>
       </p:nvGrpSpPr>
@@ -13466,7 +13713,7 @@
       </p:grpSpPr>
       <p:sp>
         <p:nvSpPr>
-          <p:cNvPr id="157" name="Google Shape;157;p16"/>
+          <p:cNvPr id="158" name="Google Shape;158;p16"/>
           <p:cNvSpPr txBox="1"/>
           <p:nvPr>
             <p:ph type="title"/>
@@ -13514,7 +13761,7 @@
       </p:sp>
       <p:pic>
         <p:nvPicPr>
-          <p:cNvPr id="158" name="Google Shape;158;p16"/>
+          <p:cNvPr id="159" name="Google Shape;159;p16"/>
           <p:cNvPicPr preferRelativeResize="0"/>
           <p:nvPr/>
         </p:nvPicPr>
@@ -13542,7 +13789,7 @@
       </p:pic>
       <p:pic>
         <p:nvPicPr>
-          <p:cNvPr id="159" name="Google Shape;159;p16"/>
+          <p:cNvPr id="160" name="Google Shape;160;p16"/>
           <p:cNvPicPr preferRelativeResize="0"/>
           <p:nvPr/>
         </p:nvPicPr>
@@ -13581,7 +13828,7 @@
   <p:cSld>
     <p:spTree>
       <p:nvGrpSpPr>
-        <p:cNvPr id="163" name="Shape 163"/>
+        <p:cNvPr id="164" name="Shape 164"/>
         <p:cNvGrpSpPr/>
         <p:nvPr/>
       </p:nvGrpSpPr>
@@ -13595,7 +13842,7 @@
       </p:grpSpPr>
       <p:sp>
         <p:nvSpPr>
-          <p:cNvPr id="164" name="Google Shape;164;p17"/>
+          <p:cNvPr id="165" name="Google Shape;165;p17"/>
           <p:cNvSpPr txBox="1"/>
           <p:nvPr>
             <p:ph type="title"/>
@@ -13643,7 +13890,7 @@
       </p:sp>
       <p:pic>
         <p:nvPicPr>
-          <p:cNvPr id="165" name="Google Shape;165;p17"/>
+          <p:cNvPr id="166" name="Google Shape;166;p17"/>
           <p:cNvPicPr preferRelativeResize="0"/>
           <p:nvPr/>
         </p:nvPicPr>
@@ -13671,7 +13918,7 @@
       </p:pic>
       <p:pic>
         <p:nvPicPr>
-          <p:cNvPr id="166" name="Google Shape;166;p17"/>
+          <p:cNvPr id="167" name="Google Shape;167;p17"/>
           <p:cNvPicPr preferRelativeResize="0"/>
           <p:nvPr/>
         </p:nvPicPr>
@@ -13699,7 +13946,7 @@
       </p:pic>
       <p:pic>
         <p:nvPicPr>
-          <p:cNvPr id="167" name="Google Shape;167;p17"/>
+          <p:cNvPr id="168" name="Google Shape;168;p17"/>
           <p:cNvPicPr preferRelativeResize="0"/>
           <p:nvPr/>
         </p:nvPicPr>
@@ -13727,7 +13974,7 @@
       </p:pic>
       <p:pic>
         <p:nvPicPr>
-          <p:cNvPr id="168" name="Google Shape;168;p17"/>
+          <p:cNvPr id="169" name="Google Shape;169;p17"/>
           <p:cNvPicPr preferRelativeResize="0"/>
           <p:nvPr/>
         </p:nvPicPr>
@@ -13766,7 +14013,7 @@
   <p:cSld>
     <p:spTree>
       <p:nvGrpSpPr>
-        <p:cNvPr id="172" name="Shape 172"/>
+        <p:cNvPr id="173" name="Shape 173"/>
         <p:cNvGrpSpPr/>
         <p:nvPr/>
       </p:nvGrpSpPr>
@@ -13780,7 +14027,7 @@
       </p:grpSpPr>
       <p:sp>
         <p:nvSpPr>
-          <p:cNvPr id="173" name="Google Shape;173;p18"/>
+          <p:cNvPr id="174" name="Google Shape;174;p18"/>
           <p:cNvSpPr txBox="1"/>
           <p:nvPr>
             <p:ph type="title"/>
@@ -13828,7 +14075,7 @@
       </p:sp>
       <p:pic>
         <p:nvPicPr>
-          <p:cNvPr id="174" name="Google Shape;174;p18"/>
+          <p:cNvPr id="175" name="Google Shape;175;p18"/>
           <p:cNvPicPr preferRelativeResize="0"/>
           <p:nvPr/>
         </p:nvPicPr>
@@ -13856,7 +14103,7 @@
       </p:pic>
       <p:pic>
         <p:nvPicPr>
-          <p:cNvPr id="175" name="Google Shape;175;p18"/>
+          <p:cNvPr id="176" name="Google Shape;176;p18"/>
           <p:cNvPicPr preferRelativeResize="0"/>
           <p:nvPr/>
         </p:nvPicPr>
@@ -13884,7 +14131,7 @@
       </p:pic>
       <p:pic>
         <p:nvPicPr>
-          <p:cNvPr id="176" name="Google Shape;176;p18"/>
+          <p:cNvPr id="177" name="Google Shape;177;p18"/>
           <p:cNvPicPr preferRelativeResize="0"/>
           <p:nvPr/>
         </p:nvPicPr>
@@ -13912,7 +14159,7 @@
       </p:pic>
       <p:pic>
         <p:nvPicPr>
-          <p:cNvPr id="177" name="Google Shape;177;p18"/>
+          <p:cNvPr id="178" name="Google Shape;178;p18"/>
           <p:cNvPicPr preferRelativeResize="0"/>
           <p:nvPr/>
         </p:nvPicPr>
@@ -13940,7 +14187,7 @@
       </p:pic>
       <p:pic>
         <p:nvPicPr>
-          <p:cNvPr id="178" name="Google Shape;178;p18"/>
+          <p:cNvPr id="179" name="Google Shape;179;p18"/>
           <p:cNvPicPr preferRelativeResize="0"/>
           <p:nvPr/>
         </p:nvPicPr>
@@ -13979,7 +14226,7 @@
   <p:cSld>
     <p:spTree>
       <p:nvGrpSpPr>
-        <p:cNvPr id="182" name="Shape 182"/>
+        <p:cNvPr id="183" name="Shape 183"/>
         <p:cNvGrpSpPr/>
         <p:nvPr/>
       </p:nvGrpSpPr>
@@ -13993,7 +14240,7 @@
       </p:grpSpPr>
       <p:sp>
         <p:nvSpPr>
-          <p:cNvPr id="183" name="Google Shape;183;p19"/>
+          <p:cNvPr id="184" name="Google Shape;184;p19"/>
           <p:cNvSpPr txBox="1"/>
           <p:nvPr>
             <p:ph type="title"/>
@@ -14041,7 +14288,7 @@
       </p:sp>
       <p:sp>
         <p:nvSpPr>
-          <p:cNvPr id="184" name="Google Shape;184;p19"/>
+          <p:cNvPr id="185" name="Google Shape;185;p19"/>
           <p:cNvSpPr txBox="1"/>
           <p:nvPr>
             <p:ph idx="1" type="body"/>
@@ -14212,7 +14459,7 @@
       </p:sp>
       <p:pic>
         <p:nvPicPr>
-          <p:cNvPr id="185" name="Google Shape;185;p19"/>
+          <p:cNvPr id="186" name="Google Shape;186;p19"/>
           <p:cNvPicPr preferRelativeResize="0"/>
           <p:nvPr/>
         </p:nvPicPr>
@@ -14251,7 +14498,7 @@
   <p:cSld>
     <p:spTree>
       <p:nvGrpSpPr>
-        <p:cNvPr id="189" name="Shape 189"/>
+        <p:cNvPr id="190" name="Shape 190"/>
         <p:cNvGrpSpPr/>
         <p:nvPr/>
       </p:nvGrpSpPr>
@@ -14265,7 +14512,7 @@
       </p:grpSpPr>
       <p:sp>
         <p:nvSpPr>
-          <p:cNvPr id="190" name="Google Shape;190;p20"/>
+          <p:cNvPr id="191" name="Google Shape;191;p20"/>
           <p:cNvSpPr txBox="1"/>
           <p:nvPr>
             <p:ph type="title"/>
@@ -14313,7 +14560,7 @@
       </p:sp>
       <p:sp>
         <p:nvSpPr>
-          <p:cNvPr id="191" name="Google Shape;191;p20"/>
+          <p:cNvPr id="192" name="Google Shape;192;p20"/>
           <p:cNvSpPr txBox="1"/>
           <p:nvPr>
             <p:ph idx="1" type="body"/>
@@ -14322,7 +14569,7 @@
         <p:spPr>
           <a:xfrm>
             <a:off x="1957525" y="2157250"/>
-            <a:ext cx="6378900" cy="2009100"/>
+            <a:ext cx="2614500" cy="2009100"/>
           </a:xfrm>
           <a:prstGeom prst="rect">
             <a:avLst/>
@@ -14449,7 +14696,7 @@
       </p:sp>
       <p:pic>
         <p:nvPicPr>
-          <p:cNvPr id="192" name="Google Shape;192;p20"/>
+          <p:cNvPr id="193" name="Google Shape;193;p20"/>
           <p:cNvPicPr preferRelativeResize="0"/>
           <p:nvPr/>
         </p:nvPicPr>
@@ -14475,6 +14722,170 @@
           </a:ln>
         </p:spPr>
       </p:pic>
+      <p:sp>
+        <p:nvSpPr>
+          <p:cNvPr id="194" name="Google Shape;194;p20"/>
+          <p:cNvSpPr txBox="1"/>
+          <p:nvPr>
+            <p:ph idx="1" type="body"/>
+          </p:nvPr>
+        </p:nvSpPr>
+        <p:spPr>
+          <a:xfrm>
+            <a:off x="4572000" y="2157250"/>
+            <a:ext cx="3133200" cy="2009100"/>
+          </a:xfrm>
+          <a:prstGeom prst="rect">
+            <a:avLst/>
+          </a:prstGeom>
+        </p:spPr>
+        <p:txBody>
+          <a:bodyPr anchorCtr="0" anchor="t" bIns="91425" lIns="91425" spcFirstLastPara="1" rIns="91425" wrap="square" tIns="91425">
+            <a:normAutofit/>
+          </a:bodyPr>
+          <a:lstStyle/>
+          <a:p>
+            <a:pPr indent="-342900" lvl="0" marL="457200" rtl="0" algn="l">
+              <a:spcBef>
+                <a:spcPts val="0"/>
+              </a:spcBef>
+              <a:spcAft>
+                <a:spcPts val="0"/>
+              </a:spcAft>
+              <a:buClr>
+                <a:schemeClr val="dk1"/>
+              </a:buClr>
+              <a:buSzPts val="1800"/>
+              <a:buAutoNum type="arabicPeriod"/>
+            </a:pPr>
+            <a:r>
+              <a:rPr lang="ko" sz="1800">
+                <a:solidFill>
+                  <a:schemeClr val="dk1"/>
+                </a:solidFill>
+              </a:rPr>
+              <a:t>ImageNet</a:t>
+            </a:r>
+            <a:endParaRPr sz="1800">
+              <a:solidFill>
+                <a:schemeClr val="dk1"/>
+              </a:solidFill>
+            </a:endParaRPr>
+          </a:p>
+          <a:p>
+            <a:pPr indent="-342900" lvl="0" marL="457200" rtl="0" algn="l">
+              <a:spcBef>
+                <a:spcPts val="0"/>
+              </a:spcBef>
+              <a:spcAft>
+                <a:spcPts val="0"/>
+              </a:spcAft>
+              <a:buClr>
+                <a:schemeClr val="dk1"/>
+              </a:buClr>
+              <a:buSzPts val="1800"/>
+              <a:buAutoNum type="arabicPeriod"/>
+            </a:pPr>
+            <a:r>
+              <a:rPr lang="ko" sz="1800">
+                <a:solidFill>
+                  <a:schemeClr val="dk1"/>
+                </a:solidFill>
+              </a:rPr>
+              <a:t>COCO, PASCAL VOC</a:t>
+            </a:r>
+            <a:endParaRPr sz="1800">
+              <a:solidFill>
+                <a:schemeClr val="dk1"/>
+              </a:solidFill>
+            </a:endParaRPr>
+          </a:p>
+          <a:p>
+            <a:pPr indent="-342900" lvl="0" marL="457200" rtl="0" algn="l">
+              <a:spcBef>
+                <a:spcPts val="0"/>
+              </a:spcBef>
+              <a:spcAft>
+                <a:spcPts val="0"/>
+              </a:spcAft>
+              <a:buClr>
+                <a:schemeClr val="dk1"/>
+              </a:buClr>
+              <a:buSzPts val="1800"/>
+              <a:buAutoNum type="arabicPeriod"/>
+            </a:pPr>
+            <a:r>
+              <a:rPr lang="ko" sz="1800">
+                <a:solidFill>
+                  <a:schemeClr val="dk1"/>
+                </a:solidFill>
+              </a:rPr>
+              <a:t>Cityscape</a:t>
+            </a:r>
+            <a:endParaRPr sz="1800">
+              <a:solidFill>
+                <a:schemeClr val="dk1"/>
+              </a:solidFill>
+            </a:endParaRPr>
+          </a:p>
+          <a:p>
+            <a:pPr indent="-342900" lvl="0" marL="457200" rtl="0" algn="l">
+              <a:spcBef>
+                <a:spcPts val="0"/>
+              </a:spcBef>
+              <a:spcAft>
+                <a:spcPts val="0"/>
+              </a:spcAft>
+              <a:buClr>
+                <a:schemeClr val="dk1"/>
+              </a:buClr>
+              <a:buSzPts val="1800"/>
+              <a:buAutoNum type="arabicPeriod"/>
+            </a:pPr>
+            <a:r>
+              <a:rPr lang="ko" sz="1800">
+                <a:solidFill>
+                  <a:schemeClr val="dk1"/>
+                </a:solidFill>
+              </a:rPr>
+              <a:t>ADE20K</a:t>
+            </a:r>
+            <a:endParaRPr sz="1800">
+              <a:solidFill>
+                <a:schemeClr val="dk1"/>
+              </a:solidFill>
+            </a:endParaRPr>
+          </a:p>
+          <a:p>
+            <a:pPr indent="-342900" lvl="0" marL="457200" rtl="0" algn="l">
+              <a:spcBef>
+                <a:spcPts val="0"/>
+              </a:spcBef>
+              <a:spcAft>
+                <a:spcPts val="0"/>
+              </a:spcAft>
+              <a:buClr>
+                <a:schemeClr val="dk1"/>
+              </a:buClr>
+              <a:buSzPts val="1800"/>
+              <a:buAutoNum type="arabicPeriod"/>
+            </a:pPr>
+            <a:r>
+              <a:rPr lang="ko" sz="1800">
+                <a:solidFill>
+                  <a:schemeClr val="dk1"/>
+                </a:solidFill>
+              </a:rPr>
+              <a:t>Etc..</a:t>
+            </a:r>
+            <a:endParaRPr sz="1800">
+              <a:solidFill>
+                <a:schemeClr val="dk1"/>
+              </a:solidFill>
+            </a:endParaRPr>
+          </a:p>
+        </p:txBody>
+      </p:sp>
     </p:spTree>
   </p:cSld>
   <p:clrMapOvr>
@@ -14488,7 +14899,7 @@
   <p:cSld>
     <p:spTree>
       <p:nvGrpSpPr>
-        <p:cNvPr id="196" name="Shape 196"/>
+        <p:cNvPr id="198" name="Shape 198"/>
         <p:cNvGrpSpPr/>
         <p:nvPr/>
       </p:nvGrpSpPr>
@@ -14502,7 +14913,7 @@
       </p:grpSpPr>
       <p:sp>
         <p:nvSpPr>
-          <p:cNvPr id="197" name="Google Shape;197;p21"/>
+          <p:cNvPr id="199" name="Google Shape;199;p21"/>
           <p:cNvSpPr txBox="1"/>
           <p:nvPr>
             <p:ph type="title"/>
@@ -14550,7 +14961,7 @@
       </p:sp>
       <p:pic>
         <p:nvPicPr>
-          <p:cNvPr id="198" name="Google Shape;198;p21"/>
+          <p:cNvPr id="200" name="Google Shape;200;p21"/>
           <p:cNvPicPr preferRelativeResize="0"/>
           <p:nvPr/>
         </p:nvPicPr>
@@ -14578,7 +14989,7 @@
       </p:pic>
       <p:pic>
         <p:nvPicPr>
-          <p:cNvPr id="199" name="Google Shape;199;p21"/>
+          <p:cNvPr id="201" name="Google Shape;201;p21"/>
           <p:cNvPicPr preferRelativeResize="0"/>
           <p:nvPr/>
         </p:nvPicPr>
@@ -14605,7 +15016,7 @@
       </p:pic>
       <p:pic>
         <p:nvPicPr>
-          <p:cNvPr id="200" name="Google Shape;200;p21"/>
+          <p:cNvPr id="202" name="Google Shape;202;p21"/>
           <p:cNvPicPr preferRelativeResize="0"/>
           <p:nvPr/>
         </p:nvPicPr>
@@ -14632,7 +15043,7 @@
       </p:pic>
       <p:pic>
         <p:nvPicPr>
-          <p:cNvPr id="201" name="Google Shape;201;p21"/>
+          <p:cNvPr id="203" name="Google Shape;203;p21"/>
           <p:cNvPicPr preferRelativeResize="0"/>
           <p:nvPr/>
         </p:nvPicPr>
@@ -14659,7 +15070,7 @@
       </p:pic>
       <p:pic>
         <p:nvPicPr>
-          <p:cNvPr id="202" name="Google Shape;202;p21"/>
+          <p:cNvPr id="204" name="Google Shape;204;p21"/>
           <p:cNvPicPr preferRelativeResize="0"/>
           <p:nvPr/>
         </p:nvPicPr>
@@ -14685,6 +15096,119 @@
           </a:ln>
         </p:spPr>
       </p:pic>
+      <p:sp>
+        <p:nvSpPr>
+          <p:cNvPr id="205" name="Google Shape;205;p21"/>
+          <p:cNvSpPr txBox="1"/>
+          <p:nvPr/>
+        </p:nvSpPr>
+        <p:spPr>
+          <a:xfrm>
+            <a:off x="3315075" y="109250"/>
+            <a:ext cx="5560500" cy="393900"/>
+          </a:xfrm>
+          <a:prstGeom prst="rect">
+            <a:avLst/>
+          </a:prstGeom>
+          <a:noFill/>
+          <a:ln>
+            <a:noFill/>
+          </a:ln>
+        </p:spPr>
+        <p:txBody>
+          <a:bodyPr anchorCtr="0" anchor="t" bIns="91425" lIns="91425" spcFirstLastPara="1" rIns="91425" wrap="square" tIns="91425">
+            <a:noAutofit/>
+          </a:bodyPr>
+          <a:lstStyle/>
+          <a:p>
+            <a:pPr indent="0" lvl="0" marL="0" rtl="0" algn="l">
+              <a:spcBef>
+                <a:spcPts val="0"/>
+              </a:spcBef>
+              <a:spcAft>
+                <a:spcPts val="0"/>
+              </a:spcAft>
+              <a:buNone/>
+            </a:pPr>
+            <a:r>
+              <a:rPr lang="ko">
+                <a:latin typeface="Lato"/>
+                <a:ea typeface="Lato"/>
+                <a:cs typeface="Lato"/>
+                <a:sym typeface="Lato"/>
+              </a:rPr>
+              <a:t>batch_size = 5	learning_rate = 1e-4 	Input_shape = (224, 224, 3)</a:t>
+            </a:r>
+            <a:endParaRPr>
+              <a:latin typeface="Lato"/>
+              <a:ea typeface="Lato"/>
+              <a:cs typeface="Lato"/>
+              <a:sym typeface="Lato"/>
+            </a:endParaRPr>
+          </a:p>
+        </p:txBody>
+      </p:sp>
+      <p:sp>
+        <p:nvSpPr>
+          <p:cNvPr id="206" name="Google Shape;206;p21"/>
+          <p:cNvSpPr txBox="1"/>
+          <p:nvPr/>
+        </p:nvSpPr>
+        <p:spPr>
+          <a:xfrm>
+            <a:off x="3357250" y="4683575"/>
+            <a:ext cx="5560500" cy="393900"/>
+          </a:xfrm>
+          <a:prstGeom prst="rect">
+            <a:avLst/>
+          </a:prstGeom>
+          <a:noFill/>
+          <a:ln>
+            <a:noFill/>
+          </a:ln>
+        </p:spPr>
+        <p:txBody>
+          <a:bodyPr anchorCtr="0" anchor="t" bIns="91425" lIns="91425" spcFirstLastPara="1" rIns="91425" wrap="square" tIns="91425">
+            <a:noAutofit/>
+          </a:bodyPr>
+          <a:lstStyle/>
+          <a:p>
+            <a:pPr indent="0" lvl="0" marL="0" rtl="0" algn="l">
+              <a:spcBef>
+                <a:spcPts val="0"/>
+              </a:spcBef>
+              <a:spcAft>
+                <a:spcPts val="0"/>
+              </a:spcAft>
+              <a:buNone/>
+            </a:pPr>
+            <a:r>
+              <a:rPr lang="ko">
+                <a:latin typeface="Lato"/>
+                <a:ea typeface="Lato"/>
+                <a:cs typeface="Lato"/>
+                <a:sym typeface="Lato"/>
+              </a:rPr>
+              <a:t>optimizer </a:t>
+            </a:r>
+            <a:r>
+              <a:rPr lang="ko">
+                <a:latin typeface="Lato"/>
+                <a:ea typeface="Lato"/>
+                <a:cs typeface="Lato"/>
+                <a:sym typeface="Lato"/>
+              </a:rPr>
+              <a:t>= ‘Adam’		loss_function = ‘binary_crossentropy’</a:t>
+            </a:r>
+            <a:endParaRPr>
+              <a:latin typeface="Lato"/>
+              <a:ea typeface="Lato"/>
+              <a:cs typeface="Lato"/>
+              <a:sym typeface="Lato"/>
+            </a:endParaRPr>
+          </a:p>
+        </p:txBody>
+      </p:sp>
     </p:spTree>
   </p:cSld>
   <p:clrMapOvr>
@@ -14694,6 +15218,285 @@
 </file>
 
 <file path=ppt/theme/theme1.xml><?xml version="1.0" encoding="utf-8"?>
+<a:theme xmlns:a="http://schemas.openxmlformats.org/drawingml/2006/main" xmlns:r="http://schemas.openxmlformats.org/officeDocument/2006/relationships">
+  <a:themeElements>
+    <a:clrScheme name="Default">
+      <a:dk1>
+        <a:srgbClr val="000000"/>
+      </a:dk1>
+      <a:lt1>
+        <a:srgbClr val="FFFFFF"/>
+      </a:lt1>
+      <a:dk2>
+        <a:srgbClr val="158158"/>
+      </a:dk2>
+      <a:lt2>
+        <a:srgbClr val="F3F3F3"/>
+      </a:lt2>
+      <a:accent1>
+        <a:srgbClr val="058DC7"/>
+      </a:accent1>
+      <a:accent2>
+        <a:srgbClr val="50B432"/>
+      </a:accent2>
+      <a:accent3>
+        <a:srgbClr val="ED561B"/>
+      </a:accent3>
+      <a:accent4>
+        <a:srgbClr val="EDEF00"/>
+      </a:accent4>
+      <a:accent5>
+        <a:srgbClr val="24CBE5"/>
+      </a:accent5>
+      <a:accent6>
+        <a:srgbClr val="64E572"/>
+      </a:accent6>
+      <a:hlink>
+        <a:srgbClr val="2200CC"/>
+      </a:hlink>
+      <a:folHlink>
+        <a:srgbClr val="551A8B"/>
+      </a:folHlink>
+    </a:clrScheme>
+    <a:fontScheme name="Office">
+      <a:majorFont>
+        <a:latin typeface="Arial"/>
+        <a:ea typeface=""/>
+        <a:cs typeface=""/>
+        <a:font script="Jpan" typeface="ＭＳ Ｐゴシック"/>
+        <a:font script="Hang" typeface="맑은 고딕"/>
+        <a:font script="Hans" typeface="宋体"/>
+        <a:font script="Hant" typeface="新細明體"/>
+        <a:font script="Arab" typeface="Times New Roman"/>
+        <a:font script="Hebr" typeface="Times New Roman"/>
+        <a:font script="Thai" typeface="Angsana New"/>
+        <a:font script="Ethi" typeface="Nyala"/>
+        <a:font script="Beng" typeface="Vrinda"/>
+        <a:font script="Gujr" typeface="Shruti"/>
+        <a:font script="Khmr" typeface="MoolBoran"/>
+        <a:font script="Knda" typeface="Tunga"/>
+        <a:font script="Guru" typeface="Raavi"/>
+        <a:font script="Cans" typeface="Euphemia"/>
+        <a:font script="Cher" typeface="Plantagenet Cherokee"/>
+        <a:font script="Yiii" typeface="Microsoft Yi Baiti"/>
+        <a:font script="Tibt" typeface="Microsoft Himalaya"/>
+        <a:font script="Thaa" typeface="MV Boli"/>
+        <a:font script="Deva" typeface="Mangal"/>
+        <a:font script="Telu" typeface="Gautami"/>
+        <a:font script="Taml" typeface="Latha"/>
+        <a:font script="Syrc" typeface="Estrangelo Edessa"/>
+        <a:font script="Orya" typeface="Kalinga"/>
+        <a:font script="Mlym" typeface="Kartika"/>
+        <a:font script="Laoo" typeface="DokChampa"/>
+        <a:font script="Sinh" typeface="Iskoola Pota"/>
+        <a:font script="Mong" typeface="Mongolian Baiti"/>
+        <a:font script="Viet" typeface="Times New Roman"/>
+        <a:font script="Uigh" typeface="Microsoft Uighur"/>
+        <a:font script="Geor" typeface="Sylfaen"/>
+      </a:majorFont>
+      <a:minorFont>
+        <a:latin typeface="Arial"/>
+        <a:ea typeface=""/>
+        <a:cs typeface=""/>
+        <a:font script="Jpan" typeface="ＭＳ Ｐゴシック"/>
+        <a:font script="Hang" typeface="맑은 고딕"/>
+        <a:font script="Hans" typeface="宋体"/>
+        <a:font script="Hant" typeface="新細明體"/>
+        <a:font script="Arab" typeface="Arial"/>
+        <a:font script="Hebr" typeface="Arial"/>
+        <a:font script="Thai" typeface="Cordia New"/>
+        <a:font script="Ethi" typeface="Nyala"/>
+        <a:font script="Beng" typeface="Vrinda"/>
+        <a:font script="Gujr" typeface="Shruti"/>
+        <a:font script="Khmr" typeface="DaunPenh"/>
+        <a:font script="Knda" typeface="Tunga"/>
+        <a:font script="Guru" typeface="Raavi"/>
+        <a:font script="Cans" typeface="Euphemia"/>
+        <a:font script="Cher" typeface="Plantagenet Cherokee"/>
+        <a:font script="Yiii" typeface="Microsoft Yi Baiti"/>
+        <a:font script="Tibt" typeface="Microsoft Himalaya"/>
+        <a:font script="Thaa" typeface="MV Boli"/>
+        <a:font script="Deva" typeface="Mangal"/>
+        <a:font script="Telu" typeface="Gautami"/>
+        <a:font script="Taml" typeface="Latha"/>
+        <a:font script="Syrc" typeface="Estrangelo Edessa"/>
+        <a:font script="Orya" typeface="Kalinga"/>
+        <a:font script="Mlym" typeface="Kartika"/>
+        <a:font script="Laoo" typeface="DokChampa"/>
+        <a:font script="Sinh" typeface="Iskoola Pota"/>
+        <a:font script="Mong" typeface="Mongolian Baiti"/>
+        <a:font script="Viet" typeface="Arial"/>
+        <a:font script="Uigh" typeface="Microsoft Uighur"/>
+        <a:font script="Geor" typeface="Sylfaen"/>
+      </a:minorFont>
+    </a:fontScheme>
+    <a:fmtScheme name="Office">
+      <a:fillStyleLst>
+        <a:solidFill>
+          <a:schemeClr val="phClr"/>
+        </a:solidFill>
+        <a:gradFill rotWithShape="1">
+          <a:gsLst>
+            <a:gs pos="0">
+              <a:schemeClr val="phClr">
+                <a:tint val="50000"/>
+                <a:satMod val="300000"/>
+              </a:schemeClr>
+            </a:gs>
+            <a:gs pos="35000">
+              <a:schemeClr val="phClr">
+                <a:tint val="37000"/>
+                <a:satMod val="300000"/>
+              </a:schemeClr>
+            </a:gs>
+            <a:gs pos="100000">
+              <a:schemeClr val="phClr">
+                <a:tint val="15000"/>
+                <a:satMod val="350000"/>
+              </a:schemeClr>
+            </a:gs>
+          </a:gsLst>
+          <a:lin ang="16200000" scaled="1"/>
+        </a:gradFill>
+        <a:gradFill rotWithShape="1">
+          <a:gsLst>
+            <a:gs pos="0">
+              <a:schemeClr val="phClr">
+                <a:tint val="100000"/>
+                <a:shade val="100000"/>
+                <a:satMod val="130000"/>
+              </a:schemeClr>
+            </a:gs>
+            <a:gs pos="100000">
+              <a:schemeClr val="phClr">
+                <a:tint val="50000"/>
+                <a:shade val="100000"/>
+                <a:satMod val="350000"/>
+              </a:schemeClr>
+            </a:gs>
+          </a:gsLst>
+          <a:lin ang="16200000" scaled="0"/>
+        </a:gradFill>
+      </a:fillStyleLst>
+      <a:lnStyleLst>
+        <a:ln w="9525" cap="flat" cmpd="sng" algn="ctr">
+          <a:solidFill>
+            <a:schemeClr val="phClr">
+              <a:shade val="95000"/>
+              <a:satMod val="105000"/>
+            </a:schemeClr>
+          </a:solidFill>
+          <a:prstDash val="solid"/>
+        </a:ln>
+        <a:ln w="25400" cap="flat" cmpd="sng" algn="ctr">
+          <a:solidFill>
+            <a:schemeClr val="phClr"/>
+          </a:solidFill>
+          <a:prstDash val="solid"/>
+        </a:ln>
+        <a:ln w="38100" cap="flat" cmpd="sng" algn="ctr">
+          <a:solidFill>
+            <a:schemeClr val="phClr"/>
+          </a:solidFill>
+          <a:prstDash val="solid"/>
+        </a:ln>
+      </a:lnStyleLst>
+      <a:effectStyleLst>
+        <a:effectStyle>
+          <a:effectLst>
+            <a:outerShdw blurRad="40000" dist="20000" dir="5400000" rotWithShape="0">
+              <a:srgbClr val="000000">
+                <a:alpha val="38000"/>
+              </a:srgbClr>
+            </a:outerShdw>
+          </a:effectLst>
+        </a:effectStyle>
+        <a:effectStyle>
+          <a:effectLst>
+            <a:outerShdw blurRad="40000" dist="23000" dir="5400000" rotWithShape="0">
+              <a:srgbClr val="000000">
+                <a:alpha val="35000"/>
+              </a:srgbClr>
+            </a:outerShdw>
+          </a:effectLst>
+        </a:effectStyle>
+        <a:effectStyle>
+          <a:effectLst>
+            <a:outerShdw blurRad="40000" dist="23000" dir="5400000" rotWithShape="0">
+              <a:srgbClr val="000000">
+                <a:alpha val="35000"/>
+              </a:srgbClr>
+            </a:outerShdw>
+          </a:effectLst>
+          <a:scene3d>
+            <a:camera prst="orthographicFront">
+              <a:rot lat="0" lon="0" rev="0"/>
+            </a:camera>
+            <a:lightRig rig="threePt" dir="t">
+              <a:rot lat="0" lon="0" rev="1200000"/>
+            </a:lightRig>
+          </a:scene3d>
+          <a:sp3d>
+            <a:bevelT w="63500" h="25400"/>
+          </a:sp3d>
+        </a:effectStyle>
+      </a:effectStyleLst>
+      <a:bgFillStyleLst>
+        <a:solidFill>
+          <a:schemeClr val="phClr"/>
+        </a:solidFill>
+        <a:gradFill rotWithShape="1">
+          <a:gsLst>
+            <a:gs pos="0">
+              <a:schemeClr val="phClr">
+                <a:tint val="40000"/>
+                <a:satMod val="350000"/>
+              </a:schemeClr>
+            </a:gs>
+            <a:gs pos="40000">
+              <a:schemeClr val="phClr">
+                <a:tint val="45000"/>
+                <a:shade val="99000"/>
+                <a:satMod val="350000"/>
+              </a:schemeClr>
+            </a:gs>
+            <a:gs pos="100000">
+              <a:schemeClr val="phClr">
+                <a:shade val="20000"/>
+                <a:satMod val="255000"/>
+              </a:schemeClr>
+            </a:gs>
+          </a:gsLst>
+          <a:path path="circle">
+            <a:fillToRect l="50000" t="-80000" r="50000" b="180000"/>
+          </a:path>
+        </a:gradFill>
+        <a:gradFill rotWithShape="1">
+          <a:gsLst>
+            <a:gs pos="0">
+              <a:schemeClr val="phClr">
+                <a:tint val="80000"/>
+                <a:satMod val="300000"/>
+              </a:schemeClr>
+            </a:gs>
+            <a:gs pos="100000">
+              <a:schemeClr val="phClr">
+                <a:shade val="30000"/>
+                <a:satMod val="200000"/>
+              </a:schemeClr>
+            </a:gs>
+          </a:gsLst>
+          <a:path path="circle">
+            <a:fillToRect l="50000" t="50000" r="50000" b="50000"/>
+          </a:path>
+        </a:gradFill>
+      </a:bgFillStyleLst>
+    </a:fmtScheme>
+  </a:themeElements>
+</a:theme>
+</file>
+
+<file path=ppt/theme/theme2.xml><?xml version="1.0" encoding="utf-8"?>
 <a:theme xmlns:a="http://schemas.openxmlformats.org/drawingml/2006/main" xmlns:r="http://schemas.openxmlformats.org/officeDocument/2006/relationships" name="Focus">
   <a:themeElements>
     <a:clrScheme name="Focus">
@@ -14970,283 +15773,4 @@
     </a:fmtScheme>
   </a:themeElements>
 </a:theme>
-</file>
-
-<file path=ppt/theme/theme2.xml><?xml version="1.0" encoding="utf-8"?>
-<a:theme xmlns:a="http://schemas.openxmlformats.org/drawingml/2006/main" xmlns:r="http://schemas.openxmlformats.org/officeDocument/2006/relationships">
-  <a:themeElements>
-    <a:clrScheme name="Default">
-      <a:dk1>
-        <a:srgbClr val="000000"/>
-      </a:dk1>
-      <a:lt1>
-        <a:srgbClr val="FFFFFF"/>
-      </a:lt1>
-      <a:dk2>
-        <a:srgbClr val="158158"/>
-      </a:dk2>
-      <a:lt2>
-        <a:srgbClr val="F3F3F3"/>
-      </a:lt2>
-      <a:accent1>
-        <a:srgbClr val="058DC7"/>
-      </a:accent1>
-      <a:accent2>
-        <a:srgbClr val="50B432"/>
-      </a:accent2>
-      <a:accent3>
-        <a:srgbClr val="ED561B"/>
-      </a:accent3>
-      <a:accent4>
-        <a:srgbClr val="EDEF00"/>
-      </a:accent4>
-      <a:accent5>
-        <a:srgbClr val="24CBE5"/>
-      </a:accent5>
-      <a:accent6>
-        <a:srgbClr val="64E572"/>
-      </a:accent6>
-      <a:hlink>
-        <a:srgbClr val="2200CC"/>
-      </a:hlink>
-      <a:folHlink>
-        <a:srgbClr val="551A8B"/>
-      </a:folHlink>
-    </a:clrScheme>
-    <a:fontScheme name="Office">
-      <a:majorFont>
-        <a:latin typeface="Arial"/>
-        <a:ea typeface=""/>
-        <a:cs typeface=""/>
-        <a:font script="Jpan" typeface="ＭＳ Ｐゴシック"/>
-        <a:font script="Hang" typeface="맑은 고딕"/>
-        <a:font script="Hans" typeface="宋体"/>
-        <a:font script="Hant" typeface="新細明體"/>
-        <a:font script="Arab" typeface="Times New Roman"/>
-        <a:font script="Hebr" typeface="Times New Roman"/>
-        <a:font script="Thai" typeface="Angsana New"/>
-        <a:font script="Ethi" typeface="Nyala"/>
-        <a:font script="Beng" typeface="Vrinda"/>
-        <a:font script="Gujr" typeface="Shruti"/>
-        <a:font script="Khmr" typeface="MoolBoran"/>
-        <a:font script="Knda" typeface="Tunga"/>
-        <a:font script="Guru" typeface="Raavi"/>
-        <a:font script="Cans" typeface="Euphemia"/>
-        <a:font script="Cher" typeface="Plantagenet Cherokee"/>
-        <a:font script="Yiii" typeface="Microsoft Yi Baiti"/>
-        <a:font script="Tibt" typeface="Microsoft Himalaya"/>
-        <a:font script="Thaa" typeface="MV Boli"/>
-        <a:font script="Deva" typeface="Mangal"/>
-        <a:font script="Telu" typeface="Gautami"/>
-        <a:font script="Taml" typeface="Latha"/>
-        <a:font script="Syrc" typeface="Estrangelo Edessa"/>
-        <a:font script="Orya" typeface="Kalinga"/>
-        <a:font script="Mlym" typeface="Kartika"/>
-        <a:font script="Laoo" typeface="DokChampa"/>
-        <a:font script="Sinh" typeface="Iskoola Pota"/>
-        <a:font script="Mong" typeface="Mongolian Baiti"/>
-        <a:font script="Viet" typeface="Times New Roman"/>
-        <a:font script="Uigh" typeface="Microsoft Uighur"/>
-        <a:font script="Geor" typeface="Sylfaen"/>
-      </a:majorFont>
-      <a:minorFont>
-        <a:latin typeface="Arial"/>
-        <a:ea typeface=""/>
-        <a:cs typeface=""/>
-        <a:font script="Jpan" typeface="ＭＳ Ｐゴシック"/>
-        <a:font script="Hang" typeface="맑은 고딕"/>
-        <a:font script="Hans" typeface="宋体"/>
-        <a:font script="Hant" typeface="新細明體"/>
-        <a:font script="Arab" typeface="Arial"/>
-        <a:font script="Hebr" typeface="Arial"/>
-        <a:font script="Thai" typeface="Cordia New"/>
-        <a:font script="Ethi" typeface="Nyala"/>
-        <a:font script="Beng" typeface="Vrinda"/>
-        <a:font script="Gujr" typeface="Shruti"/>
-        <a:font script="Khmr" typeface="DaunPenh"/>
-        <a:font script="Knda" typeface="Tunga"/>
-        <a:font script="Guru" typeface="Raavi"/>
-        <a:font script="Cans" typeface="Euphemia"/>
-        <a:font script="Cher" typeface="Plantagenet Cherokee"/>
-        <a:font script="Yiii" typeface="Microsoft Yi Baiti"/>
-        <a:font script="Tibt" typeface="Microsoft Himalaya"/>
-        <a:font script="Thaa" typeface="MV Boli"/>
-        <a:font script="Deva" typeface="Mangal"/>
-        <a:font script="Telu" typeface="Gautami"/>
-        <a:font script="Taml" typeface="Latha"/>
-        <a:font script="Syrc" typeface="Estrangelo Edessa"/>
-        <a:font script="Orya" typeface="Kalinga"/>
-        <a:font script="Mlym" typeface="Kartika"/>
-        <a:font script="Laoo" typeface="DokChampa"/>
-        <a:font script="Sinh" typeface="Iskoola Pota"/>
-        <a:font script="Mong" typeface="Mongolian Baiti"/>
-        <a:font script="Viet" typeface="Arial"/>
-        <a:font script="Uigh" typeface="Microsoft Uighur"/>
-        <a:font script="Geor" typeface="Sylfaen"/>
-      </a:minorFont>
-    </a:fontScheme>
-    <a:fmtScheme name="Office">
-      <a:fillStyleLst>
-        <a:solidFill>
-          <a:schemeClr val="phClr"/>
-        </a:solidFill>
-        <a:gradFill rotWithShape="1">
-          <a:gsLst>
-            <a:gs pos="0">
-              <a:schemeClr val="phClr">
-                <a:tint val="50000"/>
-                <a:satMod val="300000"/>
-              </a:schemeClr>
-            </a:gs>
-            <a:gs pos="35000">
-              <a:schemeClr val="phClr">
-                <a:tint val="37000"/>
-                <a:satMod val="300000"/>
-              </a:schemeClr>
-            </a:gs>
-            <a:gs pos="100000">
-              <a:schemeClr val="phClr">
-                <a:tint val="15000"/>
-                <a:satMod val="350000"/>
-              </a:schemeClr>
-            </a:gs>
-          </a:gsLst>
-          <a:lin ang="16200000" scaled="1"/>
-        </a:gradFill>
-        <a:gradFill rotWithShape="1">
-          <a:gsLst>
-            <a:gs pos="0">
-              <a:schemeClr val="phClr">
-                <a:tint val="100000"/>
-                <a:shade val="100000"/>
-                <a:satMod val="130000"/>
-              </a:schemeClr>
-            </a:gs>
-            <a:gs pos="100000">
-              <a:schemeClr val="phClr">
-                <a:tint val="50000"/>
-                <a:shade val="100000"/>
-                <a:satMod val="350000"/>
-              </a:schemeClr>
-            </a:gs>
-          </a:gsLst>
-          <a:lin ang="16200000" scaled="0"/>
-        </a:gradFill>
-      </a:fillStyleLst>
-      <a:lnStyleLst>
-        <a:ln w="9525" cap="flat" cmpd="sng" algn="ctr">
-          <a:solidFill>
-            <a:schemeClr val="phClr">
-              <a:shade val="95000"/>
-              <a:satMod val="105000"/>
-            </a:schemeClr>
-          </a:solidFill>
-          <a:prstDash val="solid"/>
-        </a:ln>
-        <a:ln w="25400" cap="flat" cmpd="sng" algn="ctr">
-          <a:solidFill>
-            <a:schemeClr val="phClr"/>
-          </a:solidFill>
-          <a:prstDash val="solid"/>
-        </a:ln>
-        <a:ln w="38100" cap="flat" cmpd="sng" algn="ctr">
-          <a:solidFill>
-            <a:schemeClr val="phClr"/>
-          </a:solidFill>
-          <a:prstDash val="solid"/>
-        </a:ln>
-      </a:lnStyleLst>
-      <a:effectStyleLst>
-        <a:effectStyle>
-          <a:effectLst>
-            <a:outerShdw blurRad="40000" dist="20000" dir="5400000" rotWithShape="0">
-              <a:srgbClr val="000000">
-                <a:alpha val="38000"/>
-              </a:srgbClr>
-            </a:outerShdw>
-          </a:effectLst>
-        </a:effectStyle>
-        <a:effectStyle>
-          <a:effectLst>
-            <a:outerShdw blurRad="40000" dist="23000" dir="5400000" rotWithShape="0">
-              <a:srgbClr val="000000">
-                <a:alpha val="35000"/>
-              </a:srgbClr>
-            </a:outerShdw>
-          </a:effectLst>
-        </a:effectStyle>
-        <a:effectStyle>
-          <a:effectLst>
-            <a:outerShdw blurRad="40000" dist="23000" dir="5400000" rotWithShape="0">
-              <a:srgbClr val="000000">
-                <a:alpha val="35000"/>
-              </a:srgbClr>
-            </a:outerShdw>
-          </a:effectLst>
-          <a:scene3d>
-            <a:camera prst="orthographicFront">
-              <a:rot lat="0" lon="0" rev="0"/>
-            </a:camera>
-            <a:lightRig rig="threePt" dir="t">
-              <a:rot lat="0" lon="0" rev="1200000"/>
-            </a:lightRig>
-          </a:scene3d>
-          <a:sp3d>
-            <a:bevelT w="63500" h="25400"/>
-          </a:sp3d>
-        </a:effectStyle>
-      </a:effectStyleLst>
-      <a:bgFillStyleLst>
-        <a:solidFill>
-          <a:schemeClr val="phClr"/>
-        </a:solidFill>
-        <a:gradFill rotWithShape="1">
-          <a:gsLst>
-            <a:gs pos="0">
-              <a:schemeClr val="phClr">
-                <a:tint val="40000"/>
-                <a:satMod val="350000"/>
-              </a:schemeClr>
-            </a:gs>
-            <a:gs pos="40000">
-              <a:schemeClr val="phClr">
-                <a:tint val="45000"/>
-                <a:shade val="99000"/>
-                <a:satMod val="350000"/>
-              </a:schemeClr>
-            </a:gs>
-            <a:gs pos="100000">
-              <a:schemeClr val="phClr">
-                <a:shade val="20000"/>
-                <a:satMod val="255000"/>
-              </a:schemeClr>
-            </a:gs>
-          </a:gsLst>
-          <a:path path="circle">
-            <a:fillToRect l="50000" t="-80000" r="50000" b="180000"/>
-          </a:path>
-        </a:gradFill>
-        <a:gradFill rotWithShape="1">
-          <a:gsLst>
-            <a:gs pos="0">
-              <a:schemeClr val="phClr">
-                <a:tint val="80000"/>
-                <a:satMod val="300000"/>
-              </a:schemeClr>
-            </a:gs>
-            <a:gs pos="100000">
-              <a:schemeClr val="phClr">
-                <a:shade val="30000"/>
-                <a:satMod val="200000"/>
-              </a:schemeClr>
-            </a:gs>
-          </a:gsLst>
-          <a:path path="circle">
-            <a:fillToRect l="50000" t="50000" r="50000" b="50000"/>
-          </a:path>
-        </a:gradFill>
-      </a:bgFillStyleLst>
-    </a:fmtScheme>
-  </a:themeElements>
-</a:theme>
 </file>